--- a/Survival Rate prediction in Breast Cancer-Koohyar-V02.pptx
+++ b/Survival Rate prediction in Breast Cancer-Koohyar-V02.pptx
@@ -5,39 +5,40 @@
     <p:sldMasterId id="2147483666" r:id="rId4"/>
   </p:sldMasterIdLst>
   <p:notesMasterIdLst>
-    <p:notesMasterId r:id="rId32"/>
+    <p:notesMasterId r:id="rId33"/>
   </p:notesMasterIdLst>
   <p:handoutMasterIdLst>
-    <p:handoutMasterId r:id="rId33"/>
+    <p:handoutMasterId r:id="rId34"/>
   </p:handoutMasterIdLst>
   <p:sldIdLst>
     <p:sldId id="314" r:id="rId5"/>
     <p:sldId id="326" r:id="rId6"/>
-    <p:sldId id="315" r:id="rId7"/>
-    <p:sldId id="331" r:id="rId8"/>
-    <p:sldId id="318" r:id="rId9"/>
-    <p:sldId id="348" r:id="rId10"/>
-    <p:sldId id="321" r:id="rId11"/>
-    <p:sldId id="325" r:id="rId12"/>
-    <p:sldId id="327" r:id="rId13"/>
-    <p:sldId id="309" r:id="rId14"/>
-    <p:sldId id="332" r:id="rId15"/>
-    <p:sldId id="333" r:id="rId16"/>
-    <p:sldId id="339" r:id="rId17"/>
-    <p:sldId id="328" r:id="rId18"/>
-    <p:sldId id="329" r:id="rId19"/>
-    <p:sldId id="330" r:id="rId20"/>
-    <p:sldId id="346" r:id="rId21"/>
-    <p:sldId id="334" r:id="rId22"/>
-    <p:sldId id="335" r:id="rId23"/>
-    <p:sldId id="336" r:id="rId24"/>
-    <p:sldId id="345" r:id="rId25"/>
-    <p:sldId id="337" r:id="rId26"/>
-    <p:sldId id="341" r:id="rId27"/>
-    <p:sldId id="342" r:id="rId28"/>
-    <p:sldId id="340" r:id="rId29"/>
-    <p:sldId id="343" r:id="rId30"/>
-    <p:sldId id="347" r:id="rId31"/>
+    <p:sldId id="338" r:id="rId7"/>
+    <p:sldId id="315" r:id="rId8"/>
+    <p:sldId id="331" r:id="rId9"/>
+    <p:sldId id="318" r:id="rId10"/>
+    <p:sldId id="348" r:id="rId11"/>
+    <p:sldId id="321" r:id="rId12"/>
+    <p:sldId id="325" r:id="rId13"/>
+    <p:sldId id="327" r:id="rId14"/>
+    <p:sldId id="309" r:id="rId15"/>
+    <p:sldId id="332" r:id="rId16"/>
+    <p:sldId id="333" r:id="rId17"/>
+    <p:sldId id="339" r:id="rId18"/>
+    <p:sldId id="328" r:id="rId19"/>
+    <p:sldId id="329" r:id="rId20"/>
+    <p:sldId id="330" r:id="rId21"/>
+    <p:sldId id="346" r:id="rId22"/>
+    <p:sldId id="334" r:id="rId23"/>
+    <p:sldId id="335" r:id="rId24"/>
+    <p:sldId id="336" r:id="rId25"/>
+    <p:sldId id="345" r:id="rId26"/>
+    <p:sldId id="337" r:id="rId27"/>
+    <p:sldId id="341" r:id="rId28"/>
+    <p:sldId id="342" r:id="rId29"/>
+    <p:sldId id="340" r:id="rId30"/>
+    <p:sldId id="343" r:id="rId31"/>
+    <p:sldId id="347" r:id="rId32"/>
   </p:sldIdLst>
   <p:sldSz cx="12192000" cy="6858000"/>
   <p:notesSz cx="6858000" cy="9144000"/>
@@ -173,7 +174,7 @@
 <file path=ppt/revisionInfo.xml><?xml version="1.0" encoding="utf-8"?>
 <p1510:revInfo xmlns:a="http://schemas.openxmlformats.org/drawingml/2006/main" xmlns:r="http://schemas.openxmlformats.org/officeDocument/2006/relationships" xmlns:p1510="http://schemas.microsoft.com/office/powerpoint/2015/10/main">
   <p1510:revLst>
-    <p1510:client id="{321C0A27-8502-4929-9BB9-DB829CB79D5E}" v="10" dt="2024-05-12T04:03:53.135"/>
+    <p1510:client id="{321C0A27-8502-4929-9BB9-DB829CB79D5E}" v="22" dt="2024-05-12T15:25:18.572"/>
   </p1510:revLst>
 </p1510:revInfo>
 </file>
@@ -183,7 +184,7 @@
   <pc:docChgLst>
     <pc:chgData name="Koohyar Pooladvand" userId="f1908af5-bfef-4715-8425-d4a1a205a489" providerId="ADAL" clId="{321C0A27-8502-4929-9BB9-DB829CB79D5E}"/>
     <pc:docChg chg="undo redo custSel addSld delSld modSld sldOrd">
-      <pc:chgData name="Koohyar Pooladvand" userId="f1908af5-bfef-4715-8425-d4a1a205a489" providerId="ADAL" clId="{321C0A27-8502-4929-9BB9-DB829CB79D5E}" dt="2024-05-12T04:05:40.470" v="2171" actId="20577"/>
+      <pc:chgData name="Koohyar Pooladvand" userId="f1908af5-bfef-4715-8425-d4a1a205a489" providerId="ADAL" clId="{321C0A27-8502-4929-9BB9-DB829CB79D5E}" dt="2024-05-12T15:25:18.572" v="2276" actId="14826"/>
       <pc:docMkLst>
         <pc:docMk/>
       </pc:docMkLst>
@@ -256,7 +257,7 @@
         </pc:sldMkLst>
       </pc:sldChg>
       <pc:sldChg chg="addSp modSp add del mod">
-        <pc:chgData name="Koohyar Pooladvand" userId="f1908af5-bfef-4715-8425-d4a1a205a489" providerId="ADAL" clId="{321C0A27-8502-4929-9BB9-DB829CB79D5E}" dt="2024-05-12T04:05:40.470" v="2171" actId="20577"/>
+        <pc:chgData name="Koohyar Pooladvand" userId="f1908af5-bfef-4715-8425-d4a1a205a489" providerId="ADAL" clId="{321C0A27-8502-4929-9BB9-DB829CB79D5E}" dt="2024-05-12T15:01:46.123" v="2256" actId="20577"/>
         <pc:sldMkLst>
           <pc:docMk/>
           <pc:sldMk cId="569699605" sldId="321"/>
@@ -278,7 +279,7 @@
           </ac:spMkLst>
         </pc:spChg>
         <pc:graphicFrameChg chg="modGraphic">
-          <ac:chgData name="Koohyar Pooladvand" userId="f1908af5-bfef-4715-8425-d4a1a205a489" providerId="ADAL" clId="{321C0A27-8502-4929-9BB9-DB829CB79D5E}" dt="2024-05-12T03:12:23.048" v="3" actId="2165"/>
+          <ac:chgData name="Koohyar Pooladvand" userId="f1908af5-bfef-4715-8425-d4a1a205a489" providerId="ADAL" clId="{321C0A27-8502-4929-9BB9-DB829CB79D5E}" dt="2024-05-12T15:01:46.123" v="2256" actId="20577"/>
           <ac:graphicFrameMkLst>
             <pc:docMk/>
             <pc:sldMk cId="569699605" sldId="321"/>
@@ -286,7 +287,7 @@
           </ac:graphicFrameMkLst>
         </pc:graphicFrameChg>
         <pc:graphicFrameChg chg="add mod modGraphic">
-          <ac:chgData name="Koohyar Pooladvand" userId="f1908af5-bfef-4715-8425-d4a1a205a489" providerId="ADAL" clId="{321C0A27-8502-4929-9BB9-DB829CB79D5E}" dt="2024-05-12T03:16:21.022" v="247" actId="1076"/>
+          <ac:chgData name="Koohyar Pooladvand" userId="f1908af5-bfef-4715-8425-d4a1a205a489" providerId="ADAL" clId="{321C0A27-8502-4929-9BB9-DB829CB79D5E}" dt="2024-05-12T15:01:11.091" v="2223" actId="1036"/>
           <ac:graphicFrameMkLst>
             <pc:docMk/>
             <pc:sldMk cId="569699605" sldId="321"/>
@@ -294,7 +295,15 @@
           </ac:graphicFrameMkLst>
         </pc:graphicFrameChg>
         <pc:graphicFrameChg chg="add mod modGraphic">
-          <ac:chgData name="Koohyar Pooladvand" userId="f1908af5-bfef-4715-8425-d4a1a205a489" providerId="ADAL" clId="{321C0A27-8502-4929-9BB9-DB829CB79D5E}" dt="2024-05-12T03:16:23.906" v="249" actId="1076"/>
+          <ac:chgData name="Koohyar Pooladvand" userId="f1908af5-bfef-4715-8425-d4a1a205a489" providerId="ADAL" clId="{321C0A27-8502-4929-9BB9-DB829CB79D5E}" dt="2024-05-12T15:01:15.611" v="2224" actId="1076"/>
+          <ac:graphicFrameMkLst>
+            <pc:docMk/>
+            <pc:sldMk cId="569699605" sldId="321"/>
+            <ac:graphicFrameMk id="8" creationId="{21C72653-D4DB-A62C-9EBF-61B9956FE531}"/>
+          </ac:graphicFrameMkLst>
+        </pc:graphicFrameChg>
+        <pc:graphicFrameChg chg="add mod modGraphic">
+          <ac:chgData name="Koohyar Pooladvand" userId="f1908af5-bfef-4715-8425-d4a1a205a489" providerId="ADAL" clId="{321C0A27-8502-4929-9BB9-DB829CB79D5E}" dt="2024-05-12T15:01:11.091" v="2223" actId="1036"/>
           <ac:graphicFrameMkLst>
             <pc:docMk/>
             <pc:sldMk cId="569699605" sldId="321"/>
@@ -358,7 +367,7 @@
         </pc:graphicFrameChg>
       </pc:sldChg>
       <pc:sldChg chg="modSp add del mod">
-        <pc:chgData name="Koohyar Pooladvand" userId="f1908af5-bfef-4715-8425-d4a1a205a489" providerId="ADAL" clId="{321C0A27-8502-4929-9BB9-DB829CB79D5E}" dt="2024-05-12T03:38:26.833" v="1494" actId="20577"/>
+        <pc:chgData name="Koohyar Pooladvand" userId="f1908af5-bfef-4715-8425-d4a1a205a489" providerId="ADAL" clId="{321C0A27-8502-4929-9BB9-DB829CB79D5E}" dt="2024-05-12T15:02:45.065" v="2260" actId="20577"/>
         <pc:sldMkLst>
           <pc:docMk/>
           <pc:sldMk cId="2323500703" sldId="325"/>
@@ -372,7 +381,7 @@
           </ac:spMkLst>
         </pc:spChg>
         <pc:spChg chg="mod">
-          <ac:chgData name="Koohyar Pooladvand" userId="f1908af5-bfef-4715-8425-d4a1a205a489" providerId="ADAL" clId="{321C0A27-8502-4929-9BB9-DB829CB79D5E}" dt="2024-05-12T03:38:26.833" v="1494" actId="20577"/>
+          <ac:chgData name="Koohyar Pooladvand" userId="f1908af5-bfef-4715-8425-d4a1a205a489" providerId="ADAL" clId="{321C0A27-8502-4929-9BB9-DB829CB79D5E}" dt="2024-05-12T15:02:45.065" v="2260" actId="20577"/>
           <ac:spMkLst>
             <pc:docMk/>
             <pc:sldMk cId="2323500703" sldId="325"/>
@@ -423,12 +432,36 @@
           <pc:sldMk cId="2484006005" sldId="330"/>
         </pc:sldMkLst>
       </pc:sldChg>
-      <pc:sldChg chg="add del">
-        <pc:chgData name="Koohyar Pooladvand" userId="f1908af5-bfef-4715-8425-d4a1a205a489" providerId="ADAL" clId="{321C0A27-8502-4929-9BB9-DB829CB79D5E}" dt="2024-05-12T03:11:52.905" v="2"/>
+      <pc:sldChg chg="modSp add del mod">
+        <pc:chgData name="Koohyar Pooladvand" userId="f1908af5-bfef-4715-8425-d4a1a205a489" providerId="ADAL" clId="{321C0A27-8502-4929-9BB9-DB829CB79D5E}" dt="2024-05-12T14:55:04.861" v="2181" actId="1076"/>
         <pc:sldMkLst>
           <pc:docMk/>
           <pc:sldMk cId="3610832698" sldId="331"/>
         </pc:sldMkLst>
+        <pc:graphicFrameChg chg="mod">
+          <ac:chgData name="Koohyar Pooladvand" userId="f1908af5-bfef-4715-8425-d4a1a205a489" providerId="ADAL" clId="{321C0A27-8502-4929-9BB9-DB829CB79D5E}" dt="2024-05-12T14:54:09.743" v="2172" actId="1076"/>
+          <ac:graphicFrameMkLst>
+            <pc:docMk/>
+            <pc:sldMk cId="3610832698" sldId="331"/>
+            <ac:graphicFrameMk id="9" creationId="{F90B341B-7011-7A26-50EB-6BCDF88C484C}"/>
+          </ac:graphicFrameMkLst>
+        </pc:graphicFrameChg>
+        <pc:graphicFrameChg chg="mod">
+          <ac:chgData name="Koohyar Pooladvand" userId="f1908af5-bfef-4715-8425-d4a1a205a489" providerId="ADAL" clId="{321C0A27-8502-4929-9BB9-DB829CB79D5E}" dt="2024-05-12T14:55:04.861" v="2181" actId="1076"/>
+          <ac:graphicFrameMkLst>
+            <pc:docMk/>
+            <pc:sldMk cId="3610832698" sldId="331"/>
+            <ac:graphicFrameMk id="18" creationId="{867065AD-5E6D-5BDA-1FB9-603299DB5CC3}"/>
+          </ac:graphicFrameMkLst>
+        </pc:graphicFrameChg>
+        <pc:graphicFrameChg chg="mod">
+          <ac:chgData name="Koohyar Pooladvand" userId="f1908af5-bfef-4715-8425-d4a1a205a489" providerId="ADAL" clId="{321C0A27-8502-4929-9BB9-DB829CB79D5E}" dt="2024-05-12T14:54:56.404" v="2180" actId="1076"/>
+          <ac:graphicFrameMkLst>
+            <pc:docMk/>
+            <pc:sldMk cId="3610832698" sldId="331"/>
+            <ac:graphicFrameMk id="22" creationId="{ED64B333-824C-9C5E-DEAB-B5B286E6AD9F}"/>
+          </ac:graphicFrameMkLst>
+        </pc:graphicFrameChg>
       </pc:sldChg>
       <pc:sldChg chg="add del">
         <pc:chgData name="Koohyar Pooladvand" userId="f1908af5-bfef-4715-8425-d4a1a205a489" providerId="ADAL" clId="{321C0A27-8502-4929-9BB9-DB829CB79D5E}" dt="2024-05-12T03:11:52.905" v="2"/>
@@ -472,8 +505,8 @@
           <pc:sldMk cId="192094858" sldId="337"/>
         </pc:sldMkLst>
       </pc:sldChg>
-      <pc:sldChg chg="del">
-        <pc:chgData name="Koohyar Pooladvand" userId="f1908af5-bfef-4715-8425-d4a1a205a489" providerId="ADAL" clId="{321C0A27-8502-4929-9BB9-DB829CB79D5E}" dt="2024-05-12T03:11:49.218" v="1" actId="47"/>
+      <pc:sldChg chg="add del ord">
+        <pc:chgData name="Koohyar Pooladvand" userId="f1908af5-bfef-4715-8425-d4a1a205a489" providerId="ADAL" clId="{321C0A27-8502-4929-9BB9-DB829CB79D5E}" dt="2024-05-12T14:58:50.324" v="2199"/>
         <pc:sldMkLst>
           <pc:docMk/>
           <pc:sldMk cId="2492087225" sldId="338"/>
@@ -493,19 +526,51 @@
           <pc:sldMk cId="2929898621" sldId="340"/>
         </pc:sldMkLst>
       </pc:sldChg>
-      <pc:sldChg chg="add del">
-        <pc:chgData name="Koohyar Pooladvand" userId="f1908af5-bfef-4715-8425-d4a1a205a489" providerId="ADAL" clId="{321C0A27-8502-4929-9BB9-DB829CB79D5E}" dt="2024-05-12T03:11:52.905" v="2"/>
+      <pc:sldChg chg="modSp add del">
+        <pc:chgData name="Koohyar Pooladvand" userId="f1908af5-bfef-4715-8425-d4a1a205a489" providerId="ADAL" clId="{321C0A27-8502-4929-9BB9-DB829CB79D5E}" dt="2024-05-12T15:21:44.570" v="2270" actId="14826"/>
         <pc:sldMkLst>
           <pc:docMk/>
           <pc:sldMk cId="2914370414" sldId="341"/>
         </pc:sldMkLst>
+        <pc:picChg chg="mod">
+          <ac:chgData name="Koohyar Pooladvand" userId="f1908af5-bfef-4715-8425-d4a1a205a489" providerId="ADAL" clId="{321C0A27-8502-4929-9BB9-DB829CB79D5E}" dt="2024-05-12T15:21:17.031" v="2269" actId="14826"/>
+          <ac:picMkLst>
+            <pc:docMk/>
+            <pc:sldMk cId="2914370414" sldId="341"/>
+            <ac:picMk id="7" creationId="{095E05D7-864E-2677-8891-9CBEEB88C667}"/>
+          </ac:picMkLst>
+        </pc:picChg>
+        <pc:picChg chg="mod">
+          <ac:chgData name="Koohyar Pooladvand" userId="f1908af5-bfef-4715-8425-d4a1a205a489" providerId="ADAL" clId="{321C0A27-8502-4929-9BB9-DB829CB79D5E}" dt="2024-05-12T15:21:44.570" v="2270" actId="14826"/>
+          <ac:picMkLst>
+            <pc:docMk/>
+            <pc:sldMk cId="2914370414" sldId="341"/>
+            <ac:picMk id="9" creationId="{DA7A673D-38E5-B2F1-EB95-FFD1DE34759C}"/>
+          </ac:picMkLst>
+        </pc:picChg>
       </pc:sldChg>
-      <pc:sldChg chg="add del ord">
-        <pc:chgData name="Koohyar Pooladvand" userId="f1908af5-bfef-4715-8425-d4a1a205a489" providerId="ADAL" clId="{321C0A27-8502-4929-9BB9-DB829CB79D5E}" dt="2024-05-12T03:16:08.051" v="245"/>
+      <pc:sldChg chg="modSp add del ord">
+        <pc:chgData name="Koohyar Pooladvand" userId="f1908af5-bfef-4715-8425-d4a1a205a489" providerId="ADAL" clId="{321C0A27-8502-4929-9BB9-DB829CB79D5E}" dt="2024-05-12T15:22:27.856" v="2272" actId="14826"/>
         <pc:sldMkLst>
           <pc:docMk/>
           <pc:sldMk cId="1917507065" sldId="342"/>
         </pc:sldMkLst>
+        <pc:picChg chg="mod">
+          <ac:chgData name="Koohyar Pooladvand" userId="f1908af5-bfef-4715-8425-d4a1a205a489" providerId="ADAL" clId="{321C0A27-8502-4929-9BB9-DB829CB79D5E}" dt="2024-05-12T15:22:16.562" v="2271" actId="14826"/>
+          <ac:picMkLst>
+            <pc:docMk/>
+            <pc:sldMk cId="1917507065" sldId="342"/>
+            <ac:picMk id="4" creationId="{C186FF1D-70BE-B324-313B-66CE8B38045D}"/>
+          </ac:picMkLst>
+        </pc:picChg>
+        <pc:picChg chg="mod">
+          <ac:chgData name="Koohyar Pooladvand" userId="f1908af5-bfef-4715-8425-d4a1a205a489" providerId="ADAL" clId="{321C0A27-8502-4929-9BB9-DB829CB79D5E}" dt="2024-05-12T15:22:27.856" v="2272" actId="14826"/>
+          <ac:picMkLst>
+            <pc:docMk/>
+            <pc:sldMk cId="1917507065" sldId="342"/>
+            <ac:picMk id="11" creationId="{49CB274A-35B5-6706-452E-2917F07FA933}"/>
+          </ac:picMkLst>
+        </pc:picChg>
       </pc:sldChg>
       <pc:sldChg chg="add del">
         <pc:chgData name="Koohyar Pooladvand" userId="f1908af5-bfef-4715-8425-d4a1a205a489" providerId="ADAL" clId="{321C0A27-8502-4929-9BB9-DB829CB79D5E}" dt="2024-05-12T03:11:52.905" v="2"/>
@@ -535,12 +600,36 @@
           <pc:sldMk cId="145852418" sldId="346"/>
         </pc:sldMkLst>
       </pc:sldChg>
-      <pc:sldChg chg="add">
-        <pc:chgData name="Koohyar Pooladvand" userId="f1908af5-bfef-4715-8425-d4a1a205a489" providerId="ADAL" clId="{321C0A27-8502-4929-9BB9-DB829CB79D5E}" dt="2024-05-12T03:11:52.905" v="2"/>
+      <pc:sldChg chg="addSp modSp add mod">
+        <pc:chgData name="Koohyar Pooladvand" userId="f1908af5-bfef-4715-8425-d4a1a205a489" providerId="ADAL" clId="{321C0A27-8502-4929-9BB9-DB829CB79D5E}" dt="2024-05-12T15:25:18.572" v="2276" actId="14826"/>
         <pc:sldMkLst>
           <pc:docMk/>
           <pc:sldMk cId="1360772362" sldId="347"/>
         </pc:sldMkLst>
+        <pc:picChg chg="add mod">
+          <ac:chgData name="Koohyar Pooladvand" userId="f1908af5-bfef-4715-8425-d4a1a205a489" providerId="ADAL" clId="{321C0A27-8502-4929-9BB9-DB829CB79D5E}" dt="2024-05-12T15:25:18.572" v="2276" actId="14826"/>
+          <ac:picMkLst>
+            <pc:docMk/>
+            <pc:sldMk cId="1360772362" sldId="347"/>
+            <ac:picMk id="4" creationId="{280B6F53-FF89-507E-1CED-2E939554E9AC}"/>
+          </ac:picMkLst>
+        </pc:picChg>
+        <pc:picChg chg="mod">
+          <ac:chgData name="Koohyar Pooladvand" userId="f1908af5-bfef-4715-8425-d4a1a205a489" providerId="ADAL" clId="{321C0A27-8502-4929-9BB9-DB829CB79D5E}" dt="2024-05-12T15:22:58.105" v="2273" actId="14826"/>
+          <ac:picMkLst>
+            <pc:docMk/>
+            <pc:sldMk cId="1360772362" sldId="347"/>
+            <ac:picMk id="7" creationId="{4951EA26-8ADF-8C87-E504-809E77AB21B4}"/>
+          </ac:picMkLst>
+        </pc:picChg>
+        <pc:picChg chg="mod">
+          <ac:chgData name="Koohyar Pooladvand" userId="f1908af5-bfef-4715-8425-d4a1a205a489" providerId="ADAL" clId="{321C0A27-8502-4929-9BB9-DB829CB79D5E}" dt="2024-05-12T15:06:12.741" v="2262" actId="1076"/>
+          <ac:picMkLst>
+            <pc:docMk/>
+            <pc:sldMk cId="1360772362" sldId="347"/>
+            <ac:picMk id="11" creationId="{8C4006BC-6C87-BA19-AC76-BC9160996861}"/>
+          </ac:picMkLst>
+        </pc:picChg>
       </pc:sldChg>
       <pc:sldChg chg="new del">
         <pc:chgData name="Koohyar Pooladvand" userId="f1908af5-bfef-4715-8425-d4a1a205a489" providerId="ADAL" clId="{321C0A27-8502-4929-9BB9-DB829CB79D5E}" dt="2024-05-12T03:16:47.577" v="263" actId="47"/>
@@ -550,7 +639,7 @@
         </pc:sldMkLst>
       </pc:sldChg>
       <pc:sldChg chg="addSp delSp modSp add mod modNotesTx">
-        <pc:chgData name="Koohyar Pooladvand" userId="f1908af5-bfef-4715-8425-d4a1a205a489" providerId="ADAL" clId="{321C0A27-8502-4929-9BB9-DB829CB79D5E}" dt="2024-05-12T04:03:55.392" v="2154" actId="108"/>
+        <pc:chgData name="Koohyar Pooladvand" userId="f1908af5-bfef-4715-8425-d4a1a205a489" providerId="ADAL" clId="{321C0A27-8502-4929-9BB9-DB829CB79D5E}" dt="2024-05-12T14:57:52.943" v="2196" actId="2165"/>
         <pc:sldMkLst>
           <pc:docMk/>
           <pc:sldMk cId="3783616386" sldId="348"/>
@@ -572,7 +661,7 @@
           </ac:spMkLst>
         </pc:spChg>
         <pc:graphicFrameChg chg="mod modGraphic">
-          <ac:chgData name="Koohyar Pooladvand" userId="f1908af5-bfef-4715-8425-d4a1a205a489" providerId="ADAL" clId="{321C0A27-8502-4929-9BB9-DB829CB79D5E}" dt="2024-05-12T04:03:55.392" v="2154" actId="108"/>
+          <ac:chgData name="Koohyar Pooladvand" userId="f1908af5-bfef-4715-8425-d4a1a205a489" providerId="ADAL" clId="{321C0A27-8502-4929-9BB9-DB829CB79D5E}" dt="2024-05-12T14:57:52.943" v="2196" actId="2165"/>
           <ac:graphicFrameMkLst>
             <pc:docMk/>
             <pc:sldMk cId="3783616386" sldId="348"/>
@@ -4114,7 +4203,7 @@
           <a:p>
             <a:fld id="{F352A77B-D33C-49B3-A83C-450AA2ED72B3}" type="datetimeFigureOut">
               <a:rPr lang="en-US" smtClean="0"/>
-              <a:t>5/11/2024</a:t>
+              <a:t>5/12/2024</a:t>
             </a:fld>
             <a:endParaRPr lang="en-US" dirty="0"/>
           </a:p>
@@ -4291,7 +4380,7 @@
           <a:p>
             <a:fld id="{E38D8F9A-F5CB-4EF8-A859-ED5E107B9763}" type="datetimeFigureOut">
               <a:rPr lang="en-US" smtClean="0"/>
-              <a:t>5/11/2024</a:t>
+              <a:t>5/12/2024</a:t>
             </a:fld>
             <a:endParaRPr lang="en-US" dirty="0"/>
           </a:p>
@@ -4642,6 +4731,90 @@
 </p:notes>
 </file>
 
+<file path=ppt/notesSlides/notesSlide10.xml><?xml version="1.0" encoding="utf-8"?>
+<p:notes xmlns:a="http://schemas.openxmlformats.org/drawingml/2006/main" xmlns:r="http://schemas.openxmlformats.org/officeDocument/2006/relationships" xmlns:p="http://schemas.openxmlformats.org/presentationml/2006/main">
+  <p:cSld>
+    <p:spTree>
+      <p:nvGrpSpPr>
+        <p:cNvPr id="1" name=""/>
+        <p:cNvGrpSpPr/>
+        <p:nvPr/>
+      </p:nvGrpSpPr>
+      <p:grpSpPr>
+        <a:xfrm>
+          <a:off x="0" y="0"/>
+          <a:ext cx="0" cy="0"/>
+          <a:chOff x="0" y="0"/>
+          <a:chExt cx="0" cy="0"/>
+        </a:xfrm>
+      </p:grpSpPr>
+      <p:sp>
+        <p:nvSpPr>
+          <p:cNvPr id="2" name="Slide Image Placeholder 1"/>
+          <p:cNvSpPr>
+            <a:spLocks noGrp="1" noRot="1" noChangeAspect="1"/>
+          </p:cNvSpPr>
+          <p:nvPr>
+            <p:ph type="sldImg"/>
+          </p:nvPr>
+        </p:nvSpPr>
+        <p:spPr/>
+      </p:sp>
+      <p:sp>
+        <p:nvSpPr>
+          <p:cNvPr id="3" name="Notes Placeholder 2"/>
+          <p:cNvSpPr>
+            <a:spLocks noGrp="1"/>
+          </p:cNvSpPr>
+          <p:nvPr>
+            <p:ph type="body" idx="1"/>
+          </p:nvPr>
+        </p:nvSpPr>
+        <p:spPr/>
+        <p:txBody>
+          <a:bodyPr/>
+          <a:lstStyle/>
+          <a:p>
+            <a:endParaRPr lang="en-US" dirty="0"/>
+          </a:p>
+        </p:txBody>
+      </p:sp>
+      <p:sp>
+        <p:nvSpPr>
+          <p:cNvPr id="4" name="Slide Number Placeholder 3"/>
+          <p:cNvSpPr>
+            <a:spLocks noGrp="1"/>
+          </p:cNvSpPr>
+          <p:nvPr>
+            <p:ph type="sldNum" sz="quarter" idx="5"/>
+          </p:nvPr>
+        </p:nvSpPr>
+        <p:spPr/>
+        <p:txBody>
+          <a:bodyPr/>
+          <a:lstStyle/>
+          <a:p>
+            <a:fld id="{D4B9A9E5-4F7F-4A7D-9DE1-899232329269}" type="slidenum">
+              <a:rPr lang="en-US" smtClean="0"/>
+              <a:t>11</a:t>
+            </a:fld>
+            <a:endParaRPr lang="en-US" dirty="0"/>
+          </a:p>
+        </p:txBody>
+      </p:sp>
+    </p:spTree>
+    <p:extLst>
+      <p:ext uri="{BB962C8B-B14F-4D97-AF65-F5344CB8AC3E}">
+        <p14:creationId xmlns:p14="http://schemas.microsoft.com/office/powerpoint/2010/main" val="2429966596"/>
+      </p:ext>
+    </p:extLst>
+  </p:cSld>
+  <p:clrMapOvr>
+    <a:masterClrMapping/>
+  </p:clrMapOvr>
+</p:notes>
+</file>
+
 <file path=ppt/notesSlides/notesSlide2.xml><?xml version="1.0" encoding="utf-8"?>
 <p:notes xmlns:a="http://schemas.openxmlformats.org/drawingml/2006/main" xmlns:r="http://schemas.openxmlformats.org/officeDocument/2006/relationships" xmlns:p="http://schemas.openxmlformats.org/presentationml/2006/main">
   <p:cSld>
@@ -4770,6 +4943,58 @@
           <a:bodyPr/>
           <a:lstStyle/>
           <a:p>
+            <a:r>
+              <a:rPr lang="en-US" b="1" i="0" dirty="0">
+                <a:solidFill>
+                  <a:srgbClr val="FFFFFF"/>
+                </a:solidFill>
+                <a:effectLst/>
+                <a:highlight>
+                  <a:srgbClr val="2B2B2B"/>
+                </a:highlight>
+                <a:latin typeface="SegoeUIVariable"/>
+              </a:rPr>
+              <a:t>SEER</a:t>
+            </a:r>
+            <a:r>
+              <a:rPr lang="en-US" b="0" i="0" dirty="0">
+                <a:solidFill>
+                  <a:srgbClr val="FFFFFF"/>
+                </a:solidFill>
+                <a:effectLst/>
+                <a:highlight>
+                  <a:srgbClr val="2B2B2B"/>
+                </a:highlight>
+                <a:latin typeface="SegoeUIVariable"/>
+              </a:rPr>
+              <a:t> stands for </a:t>
+            </a:r>
+            <a:r>
+              <a:rPr lang="en-US" b="1" i="0" dirty="0">
+                <a:solidFill>
+                  <a:srgbClr val="FFFFFF"/>
+                </a:solidFill>
+                <a:effectLst/>
+                <a:highlight>
+                  <a:srgbClr val="2B2B2B"/>
+                </a:highlight>
+                <a:latin typeface="SegoeUIVariable"/>
+              </a:rPr>
+              <a:t>Surveillance, Epidemiology, and End Results</a:t>
+            </a:r>
+            <a:r>
+              <a:rPr lang="en-US" b="0" i="0" dirty="0">
+                <a:solidFill>
+                  <a:srgbClr val="FFFFFF"/>
+                </a:solidFill>
+                <a:effectLst/>
+                <a:highlight>
+                  <a:srgbClr val="2B2B2B"/>
+                </a:highlight>
+                <a:latin typeface="SegoeUIVariable"/>
+              </a:rPr>
+              <a:t>. It is a program of the National Cancer Institute (NCI) in the United States. </a:t>
+            </a:r>
             <a:endParaRPr lang="en-US" dirty="0"/>
           </a:p>
         </p:txBody>
@@ -4800,7 +5025,7 @@
     </p:spTree>
     <p:extLst>
       <p:ext uri="{BB962C8B-B14F-4D97-AF65-F5344CB8AC3E}">
-        <p14:creationId xmlns:p14="http://schemas.microsoft.com/office/powerpoint/2010/main" val="1698969355"/>
+        <p14:creationId xmlns:p14="http://schemas.microsoft.com/office/powerpoint/2010/main" val="1516276236"/>
       </p:ext>
     </p:extLst>
   </p:cSld>
@@ -4854,10 +5079,7 @@
           <a:bodyPr/>
           <a:lstStyle/>
           <a:p>
-            <a:r>
-              <a:rPr lang="en-US" dirty="0"/>
-              <a:t>s</a:t>
-            </a:r>
+            <a:endParaRPr lang="en-US" dirty="0"/>
           </a:p>
         </p:txBody>
       </p:sp>
@@ -4887,7 +5109,7 @@
     </p:spTree>
     <p:extLst>
       <p:ext uri="{BB962C8B-B14F-4D97-AF65-F5344CB8AC3E}">
-        <p14:creationId xmlns:p14="http://schemas.microsoft.com/office/powerpoint/2010/main" val="2936489455"/>
+        <p14:creationId xmlns:p14="http://schemas.microsoft.com/office/powerpoint/2010/main" val="1698969355"/>
       </p:ext>
     </p:extLst>
   </p:cSld>
@@ -4941,7 +5163,10 @@
           <a:bodyPr/>
           <a:lstStyle/>
           <a:p>
-            <a:endParaRPr lang="en-US" dirty="0"/>
+            <a:r>
+              <a:rPr lang="en-US" dirty="0"/>
+              <a:t>s</a:t>
+            </a:r>
           </a:p>
         </p:txBody>
       </p:sp>
@@ -4971,7 +5196,7 @@
     </p:spTree>
     <p:extLst>
       <p:ext uri="{BB962C8B-B14F-4D97-AF65-F5344CB8AC3E}">
-        <p14:creationId xmlns:p14="http://schemas.microsoft.com/office/powerpoint/2010/main" val="631242069"/>
+        <p14:creationId xmlns:p14="http://schemas.microsoft.com/office/powerpoint/2010/main" val="2936489455"/>
       </p:ext>
     </p:extLst>
   </p:cSld>
@@ -5025,26 +5250,7 @@
           <a:bodyPr/>
           <a:lstStyle/>
           <a:p>
-            <a:r>
-              <a:rPr lang="en-US" dirty="0"/>
-              <a:t>"Sex", "Year of diagnosis",                        "Race and origin recode (NHW, NHB, NHAIAN, NHAPI, Hispanic)",                        "Site recode ICD-O-3/WHO 2008", "Site recode ICD-O-3 2023 Revision",                        "Diagnostic Confirmation, Survival months flag", "COD to site recode",                        "Patient ID", "Year of follow-up recode", "Year of death recode",                        "SEER other cause of death classification",                        "RX </a:t>
-            </a:r>
-            <a:r>
-              <a:rPr lang="en-US" dirty="0" err="1"/>
-              <a:t>Summ</a:t>
-            </a:r>
-            <a:r>
-              <a:rPr lang="en-US" dirty="0"/>
-              <a:t>--Systemic/Sur Seq (2007+)",                       "Origin recode NHIA (Hispanic, Non-</a:t>
-            </a:r>
-            <a:r>
-              <a:rPr lang="en-US" dirty="0" err="1"/>
-              <a:t>Hisp</a:t>
-            </a:r>
-            <a:r>
-              <a:rPr lang="en-US" dirty="0"/>
-              <a:t>)",                       "Race and origin (recommended by SEER)",                       "Diagnostic Confirmation",                       "Sequence number", "Radiation recode"</a:t>
-            </a:r>
+            <a:endParaRPr lang="en-US" dirty="0"/>
           </a:p>
         </p:txBody>
       </p:sp>
@@ -5074,7 +5280,7 @@
     </p:spTree>
     <p:extLst>
       <p:ext uri="{BB962C8B-B14F-4D97-AF65-F5344CB8AC3E}">
-        <p14:creationId xmlns:p14="http://schemas.microsoft.com/office/powerpoint/2010/main" val="4164928372"/>
+        <p14:creationId xmlns:p14="http://schemas.microsoft.com/office/powerpoint/2010/main" val="631242069"/>
       </p:ext>
     </p:extLst>
   </p:cSld>
@@ -5128,7 +5334,26 @@
           <a:bodyPr/>
           <a:lstStyle/>
           <a:p>
-            <a:endParaRPr lang="en-US" dirty="0"/>
+            <a:r>
+              <a:rPr lang="en-US" dirty="0"/>
+              <a:t>"Sex", "Year of diagnosis",                        "Race and origin recode (NHW, NHB, NHAIAN, NHAPI, Hispanic)",                        "Site recode ICD-O-3/WHO 2008", "Site recode ICD-O-3 2023 Revision",                        "Diagnostic Confirmation, Survival months flag", "COD to site recode",                        "Patient ID", "Year of follow-up recode", "Year of death recode",                        "SEER other cause of death classification",                        "RX </a:t>
+            </a:r>
+            <a:r>
+              <a:rPr lang="en-US" dirty="0" err="1"/>
+              <a:t>Summ</a:t>
+            </a:r>
+            <a:r>
+              <a:rPr lang="en-US" dirty="0"/>
+              <a:t>--Systemic/Sur Seq (2007+)",                       "Origin recode NHIA (Hispanic, Non-</a:t>
+            </a:r>
+            <a:r>
+              <a:rPr lang="en-US" dirty="0" err="1"/>
+              <a:t>Hisp</a:t>
+            </a:r>
+            <a:r>
+              <a:rPr lang="en-US" dirty="0"/>
+              <a:t>)",                       "Race and origin (recommended by SEER)",                       "Diagnostic Confirmation",                       "Sequence number", "Radiation recode"</a:t>
+            </a:r>
           </a:p>
         </p:txBody>
       </p:sp>
@@ -5158,7 +5383,7 @@
     </p:spTree>
     <p:extLst>
       <p:ext uri="{BB962C8B-B14F-4D97-AF65-F5344CB8AC3E}">
-        <p14:creationId xmlns:p14="http://schemas.microsoft.com/office/powerpoint/2010/main" val="3984229589"/>
+        <p14:creationId xmlns:p14="http://schemas.microsoft.com/office/powerpoint/2010/main" val="4164928372"/>
       </p:ext>
     </p:extLst>
   </p:cSld>
@@ -5242,7 +5467,7 @@
     </p:spTree>
     <p:extLst>
       <p:ext uri="{BB962C8B-B14F-4D97-AF65-F5344CB8AC3E}">
-        <p14:creationId xmlns:p14="http://schemas.microsoft.com/office/powerpoint/2010/main" val="2261767694"/>
+        <p14:creationId xmlns:p14="http://schemas.microsoft.com/office/powerpoint/2010/main" val="3984229589"/>
       </p:ext>
     </p:extLst>
   </p:cSld>
@@ -5317,7 +5542,7 @@
           <a:p>
             <a:fld id="{D4B9A9E5-4F7F-4A7D-9DE1-899232329269}" type="slidenum">
               <a:rPr lang="en-US" smtClean="0"/>
-              <a:t>10</a:t>
+              <a:t>9</a:t>
             </a:fld>
             <a:endParaRPr lang="en-US" dirty="0"/>
           </a:p>
@@ -5326,7 +5551,7 @@
     </p:spTree>
     <p:extLst>
       <p:ext uri="{BB962C8B-B14F-4D97-AF65-F5344CB8AC3E}">
-        <p14:creationId xmlns:p14="http://schemas.microsoft.com/office/powerpoint/2010/main" val="2429966596"/>
+        <p14:creationId xmlns:p14="http://schemas.microsoft.com/office/powerpoint/2010/main" val="2261767694"/>
       </p:ext>
     </p:extLst>
   </p:cSld>
@@ -10263,6 +10488,273 @@
           <a:chExt cx="0" cy="0"/>
         </a:xfrm>
       </p:grpSpPr>
+      <p:sp>
+        <p:nvSpPr>
+          <p:cNvPr id="2" name="Title 1">
+            <a:extLst>
+              <a:ext uri="{FF2B5EF4-FFF2-40B4-BE49-F238E27FC236}">
+                <a16:creationId xmlns:a16="http://schemas.microsoft.com/office/drawing/2014/main" id="{ED49F143-1777-AA8C-19C4-DA62C6E52D97}"/>
+              </a:ext>
+            </a:extLst>
+          </p:cNvPr>
+          <p:cNvSpPr>
+            <a:spLocks noGrp="1"/>
+          </p:cNvSpPr>
+          <p:nvPr>
+            <p:ph type="title"/>
+          </p:nvPr>
+        </p:nvSpPr>
+        <p:spPr/>
+        <p:txBody>
+          <a:bodyPr>
+            <a:normAutofit/>
+          </a:bodyPr>
+          <a:lstStyle/>
+          <a:p>
+            <a:r>
+              <a:rPr lang="en-US" dirty="0"/>
+              <a:t>References:</a:t>
+            </a:r>
+          </a:p>
+        </p:txBody>
+      </p:sp>
+      <p:sp>
+        <p:nvSpPr>
+          <p:cNvPr id="3" name="Table Placeholder 2">
+            <a:extLst>
+              <a:ext uri="{FF2B5EF4-FFF2-40B4-BE49-F238E27FC236}">
+                <a16:creationId xmlns:a16="http://schemas.microsoft.com/office/drawing/2014/main" id="{1531483E-5FE6-9C63-155B-FCF76226F71B}"/>
+              </a:ext>
+            </a:extLst>
+          </p:cNvPr>
+          <p:cNvSpPr>
+            <a:spLocks noGrp="1"/>
+          </p:cNvSpPr>
+          <p:nvPr>
+            <p:ph type="tbl" sz="quarter" idx="10"/>
+          </p:nvPr>
+        </p:nvSpPr>
+        <p:spPr/>
+        <p:txBody>
+          <a:bodyPr>
+            <a:normAutofit fontScale="92500" lnSpcReduction="10000"/>
+          </a:bodyPr>
+          <a:lstStyle/>
+          <a:p>
+            <a:r>
+              <a:rPr lang="en-US" dirty="0"/>
+              <a:t>[1] SEER (</a:t>
+            </a:r>
+            <a:r>
+              <a:rPr lang="en-US" dirty="0">
+                <a:hlinkClick r:id="rId2"/>
+              </a:rPr>
+              <a:t>https://seer.cancer.gov/data/access.html</a:t>
+            </a:r>
+            <a:r>
+              <a:rPr lang="en-US" dirty="0"/>
+              <a:t>)</a:t>
+            </a:r>
+          </a:p>
+          <a:p>
+            <a:r>
+              <a:rPr lang="en-US" dirty="0"/>
+              <a:t>[2] </a:t>
+            </a:r>
+            <a:r>
+              <a:rPr lang="en-US" dirty="0" err="1">
+                <a:hlinkClick r:id="rId3"/>
+              </a:rPr>
+              <a:t>zgalochkina</a:t>
+            </a:r>
+            <a:r>
+              <a:rPr lang="en-US" dirty="0">
+                <a:hlinkClick r:id="rId3"/>
+              </a:rPr>
+              <a:t>/</a:t>
+            </a:r>
+            <a:r>
+              <a:rPr lang="en-US" dirty="0" err="1">
+                <a:hlinkClick r:id="rId3"/>
+              </a:rPr>
+              <a:t>SEER_solid_tumor</a:t>
+            </a:r>
+            <a:r>
+              <a:rPr lang="en-US" dirty="0">
+                <a:hlinkClick r:id="rId3"/>
+              </a:rPr>
+              <a:t>: R code for SEER data analysis of solid tumor in different populations (github.com)</a:t>
+            </a:r>
+            <a:endParaRPr lang="en-US" dirty="0"/>
+          </a:p>
+          <a:p>
+            <a:r>
+              <a:rPr lang="en-US" dirty="0"/>
+              <a:t>[3] </a:t>
+            </a:r>
+            <a:r>
+              <a:rPr lang="en-US" dirty="0">
+                <a:hlinkClick r:id="rId4"/>
+              </a:rPr>
+              <a:t>XAI_Healthcare_eXplainable_AI_in_Healthcare.pdf (upc.edu)</a:t>
+            </a:r>
+            <a:endParaRPr lang="en-US" dirty="0"/>
+          </a:p>
+          <a:p>
+            <a:r>
+              <a:rPr lang="en-US" dirty="0"/>
+              <a:t>[4] </a:t>
+            </a:r>
+            <a:r>
+              <a:rPr lang="en-US" dirty="0" err="1"/>
+              <a:t>Pargen</a:t>
+            </a:r>
+            <a:r>
+              <a:rPr lang="en-US" dirty="0"/>
+              <a:t>, F., </a:t>
+            </a:r>
+            <a:r>
+              <a:rPr lang="en-US" dirty="0" err="1"/>
+              <a:t>Pfisterer</a:t>
+            </a:r>
+            <a:r>
+              <a:rPr lang="en-US" dirty="0"/>
+              <a:t>, F., Thomas, J., </a:t>
+            </a:r>
+            <a:r>
+              <a:rPr lang="en-US" dirty="0" err="1"/>
+              <a:t>Bischl</a:t>
+            </a:r>
+            <a:r>
+              <a:rPr lang="en-US" dirty="0"/>
+              <a:t>, B.: Regularized target encoding out performs traditional methods in supervised machine learning with high cardinality features. Computational Statistics 37(5), 2671–2692 (Nov 2022)</a:t>
+            </a:r>
+          </a:p>
+          <a:p>
+            <a:r>
+              <a:rPr lang="en-US" dirty="0"/>
+              <a:t>[5] American Cancer Society - Breast Cancer Survival Rates</a:t>
+            </a:r>
+          </a:p>
+          <a:p>
+            <a:r>
+              <a:rPr lang="en-US" dirty="0"/>
+              <a:t>GitHub: </a:t>
+            </a:r>
+            <a:r>
+              <a:rPr lang="en-US" dirty="0" err="1">
+                <a:hlinkClick r:id="rId5"/>
+              </a:rPr>
+              <a:t>koohpi</a:t>
+            </a:r>
+            <a:r>
+              <a:rPr lang="en-US" dirty="0">
+                <a:hlinkClick r:id="rId5"/>
+              </a:rPr>
+              <a:t>/</a:t>
+            </a:r>
+            <a:r>
+              <a:rPr lang="en-US" dirty="0" err="1">
+                <a:hlinkClick r:id="rId5"/>
+              </a:rPr>
+              <a:t>Breast_Cancer_Survival_Project</a:t>
+            </a:r>
+            <a:r>
+              <a:rPr lang="en-US" dirty="0">
+                <a:hlinkClick r:id="rId5"/>
+              </a:rPr>
+              <a:t>: A non-scientific project for breast cancer survival rate estimate in women based on SEER DB (github.com)</a:t>
+            </a:r>
+            <a:endParaRPr lang="en-US" dirty="0"/>
+          </a:p>
+          <a:p>
+            <a:r>
+              <a:rPr lang="en-US" dirty="0" err="1"/>
+              <a:t>Rpub</a:t>
+            </a:r>
+            <a:r>
+              <a:rPr lang="en-US" dirty="0"/>
+              <a:t>: </a:t>
+            </a:r>
+            <a:r>
+              <a:rPr lang="en-US" dirty="0" err="1">
+                <a:hlinkClick r:id="rId6"/>
+              </a:rPr>
+              <a:t>RPubs</a:t>
+            </a:r>
+            <a:r>
+              <a:rPr lang="en-US" dirty="0">
+                <a:hlinkClick r:id="rId6"/>
+              </a:rPr>
+              <a:t> - Breast Cancer Survival Rate With SEER</a:t>
+            </a:r>
+            <a:endParaRPr lang="en-US" dirty="0"/>
+          </a:p>
+          <a:p>
+            <a:endParaRPr lang="en-US" dirty="0"/>
+          </a:p>
+        </p:txBody>
+      </p:sp>
+      <p:sp>
+        <p:nvSpPr>
+          <p:cNvPr id="4" name="Slide Number Placeholder 3">
+            <a:extLst>
+              <a:ext uri="{FF2B5EF4-FFF2-40B4-BE49-F238E27FC236}">
+                <a16:creationId xmlns:a16="http://schemas.microsoft.com/office/drawing/2014/main" id="{B620536F-7A61-734B-2635-97A1FAFF2AE2}"/>
+              </a:ext>
+            </a:extLst>
+          </p:cNvPr>
+          <p:cNvSpPr>
+            <a:spLocks noGrp="1"/>
+          </p:cNvSpPr>
+          <p:nvPr>
+            <p:ph type="sldNum" sz="quarter" idx="4"/>
+          </p:nvPr>
+        </p:nvSpPr>
+        <p:spPr/>
+        <p:txBody>
+          <a:bodyPr/>
+          <a:lstStyle/>
+          <a:p>
+            <a:fld id="{B5CEABB6-07DC-46E8-9B57-56EC44A396E5}" type="slidenum">
+              <a:rPr lang="en-US" smtClean="0"/>
+              <a:pPr/>
+              <a:t>10</a:t>
+            </a:fld>
+            <a:endParaRPr lang="en-US" dirty="0"/>
+          </a:p>
+        </p:txBody>
+      </p:sp>
+    </p:spTree>
+    <p:extLst>
+      <p:ext uri="{BB962C8B-B14F-4D97-AF65-F5344CB8AC3E}">
+        <p14:creationId xmlns:p14="http://schemas.microsoft.com/office/powerpoint/2010/main" val="4293478410"/>
+      </p:ext>
+    </p:extLst>
+  </p:cSld>
+  <p:clrMapOvr>
+    <a:masterClrMapping/>
+  </p:clrMapOvr>
+</p:sld>
+</file>
+
+<file path=ppt/slides/slide11.xml><?xml version="1.0" encoding="utf-8"?>
+<p:sld xmlns:a="http://schemas.openxmlformats.org/drawingml/2006/main" xmlns:r="http://schemas.openxmlformats.org/officeDocument/2006/relationships" xmlns:p="http://schemas.openxmlformats.org/presentationml/2006/main">
+  <p:cSld>
+    <p:spTree>
+      <p:nvGrpSpPr>
+        <p:cNvPr id="1" name=""/>
+        <p:cNvGrpSpPr/>
+        <p:nvPr/>
+      </p:nvGrpSpPr>
+      <p:grpSpPr>
+        <a:xfrm>
+          <a:off x="0" y="0"/>
+          <a:ext cx="0" cy="0"/>
+          <a:chOff x="0" y="0"/>
+          <a:chExt cx="0" cy="0"/>
+        </a:xfrm>
+      </p:grpSpPr>
       <p:pic>
         <p:nvPicPr>
           <p:cNvPr id="3" name="Graphic 2">
@@ -10398,7 +10890,7 @@
 </p:sld>
 </file>
 
-<file path=ppt/slides/slide11.xml><?xml version="1.0" encoding="utf-8"?>
+<file path=ppt/slides/slide12.xml><?xml version="1.0" encoding="utf-8"?>
 <p:sld xmlns:a="http://schemas.openxmlformats.org/drawingml/2006/main" xmlns:r="http://schemas.openxmlformats.org/officeDocument/2006/relationships" xmlns:p="http://schemas.openxmlformats.org/presentationml/2006/main">
   <p:cSld>
     <p:spTree>
@@ -10570,7 +11062,7 @@
 </p:sld>
 </file>
 
-<file path=ppt/slides/slide12.xml><?xml version="1.0" encoding="utf-8"?>
+<file path=ppt/slides/slide13.xml><?xml version="1.0" encoding="utf-8"?>
 <p:sld xmlns:a="http://schemas.openxmlformats.org/drawingml/2006/main" xmlns:r="http://schemas.openxmlformats.org/officeDocument/2006/relationships" xmlns:p="http://schemas.openxmlformats.org/presentationml/2006/main">
   <p:cSld>
     <p:spTree>
@@ -10689,7 +11181,7 @@
             <a:fld id="{B5CEABB6-07DC-46E8-9B57-56EC44A396E5}" type="slidenum">
               <a:rPr lang="en-US" smtClean="0"/>
               <a:pPr/>
-              <a:t>12</a:t>
+              <a:t>13</a:t>
             </a:fld>
             <a:endParaRPr lang="en-US" dirty="0"/>
           </a:p>
@@ -10738,7 +11230,7 @@
 </p:sld>
 </file>
 
-<file path=ppt/slides/slide13.xml><?xml version="1.0" encoding="utf-8"?>
+<file path=ppt/slides/slide14.xml><?xml version="1.0" encoding="utf-8"?>
 <p:sld xmlns:a="http://schemas.openxmlformats.org/drawingml/2006/main" xmlns:r="http://schemas.openxmlformats.org/officeDocument/2006/relationships" xmlns:p="http://schemas.openxmlformats.org/presentationml/2006/main">
   <p:cSld>
     <p:spTree>
@@ -10857,7 +11349,7 @@
             <a:fld id="{B5CEABB6-07DC-46E8-9B57-56EC44A396E5}" type="slidenum">
               <a:rPr lang="en-US" smtClean="0"/>
               <a:pPr/>
-              <a:t>13</a:t>
+              <a:t>14</a:t>
             </a:fld>
             <a:endParaRPr lang="en-US" dirty="0"/>
           </a:p>
@@ -10906,7 +11398,7 @@
 </p:sld>
 </file>
 
-<file path=ppt/slides/slide14.xml><?xml version="1.0" encoding="utf-8"?>
+<file path=ppt/slides/slide15.xml><?xml version="1.0" encoding="utf-8"?>
 <p:sld xmlns:a="http://schemas.openxmlformats.org/drawingml/2006/main" xmlns:r="http://schemas.openxmlformats.org/officeDocument/2006/relationships" xmlns:p="http://schemas.openxmlformats.org/presentationml/2006/main">
   <p:cSld>
     <p:spTree>
@@ -11022,7 +11514,7 @@
 </p:sld>
 </file>
 
-<file path=ppt/slides/slide15.xml><?xml version="1.0" encoding="utf-8"?>
+<file path=ppt/slides/slide16.xml><?xml version="1.0" encoding="utf-8"?>
 <p:sld xmlns:a="http://schemas.openxmlformats.org/drawingml/2006/main" xmlns:r="http://schemas.openxmlformats.org/officeDocument/2006/relationships" xmlns:p="http://schemas.openxmlformats.org/presentationml/2006/main">
   <p:cSld>
     <p:spTree>
@@ -11138,7 +11630,7 @@
 </p:sld>
 </file>
 
-<file path=ppt/slides/slide16.xml><?xml version="1.0" encoding="utf-8"?>
+<file path=ppt/slides/slide17.xml><?xml version="1.0" encoding="utf-8"?>
 <p:sld xmlns:a="http://schemas.openxmlformats.org/drawingml/2006/main" xmlns:r="http://schemas.openxmlformats.org/officeDocument/2006/relationships" xmlns:p="http://schemas.openxmlformats.org/presentationml/2006/main">
   <p:cSld>
     <p:spTree>
@@ -11254,7 +11746,7 @@
 </p:sld>
 </file>
 
-<file path=ppt/slides/slide17.xml><?xml version="1.0" encoding="utf-8"?>
+<file path=ppt/slides/slide18.xml><?xml version="1.0" encoding="utf-8"?>
 <p:sld xmlns:a="http://schemas.openxmlformats.org/drawingml/2006/main" xmlns:r="http://schemas.openxmlformats.org/officeDocument/2006/relationships" xmlns:p="http://schemas.openxmlformats.org/presentationml/2006/main">
   <p:cSld>
     <p:spTree>
@@ -11381,7 +11873,7 @@
             <a:fld id="{B5CEABB6-07DC-46E8-9B57-56EC44A396E5}" type="slidenum">
               <a:rPr lang="en-US" smtClean="0"/>
               <a:pPr/>
-              <a:t>17</a:t>
+              <a:t>18</a:t>
             </a:fld>
             <a:endParaRPr lang="en-US" dirty="0"/>
           </a:p>
@@ -11391,152 +11883,6 @@
     <p:extLst>
       <p:ext uri="{BB962C8B-B14F-4D97-AF65-F5344CB8AC3E}">
         <p14:creationId xmlns:p14="http://schemas.microsoft.com/office/powerpoint/2010/main" val="145852418"/>
-      </p:ext>
-    </p:extLst>
-  </p:cSld>
-  <p:clrMapOvr>
-    <a:masterClrMapping/>
-  </p:clrMapOvr>
-</p:sld>
-</file>
-
-<file path=ppt/slides/slide18.xml><?xml version="1.0" encoding="utf-8"?>
-<p:sld xmlns:a="http://schemas.openxmlformats.org/drawingml/2006/main" xmlns:r="http://schemas.openxmlformats.org/officeDocument/2006/relationships" xmlns:p="http://schemas.openxmlformats.org/presentationml/2006/main">
-  <p:cSld>
-    <p:spTree>
-      <p:nvGrpSpPr>
-        <p:cNvPr id="1" name=""/>
-        <p:cNvGrpSpPr/>
-        <p:nvPr/>
-      </p:nvGrpSpPr>
-      <p:grpSpPr>
-        <a:xfrm>
-          <a:off x="0" y="0"/>
-          <a:ext cx="0" cy="0"/>
-          <a:chOff x="0" y="0"/>
-          <a:chExt cx="0" cy="0"/>
-        </a:xfrm>
-      </p:grpSpPr>
-      <p:sp>
-        <p:nvSpPr>
-          <p:cNvPr id="2" name="Title 1">
-            <a:extLst>
-              <a:ext uri="{FF2B5EF4-FFF2-40B4-BE49-F238E27FC236}">
-                <a16:creationId xmlns:a16="http://schemas.microsoft.com/office/drawing/2014/main" id="{F8490F30-8398-9623-D5C1-3528B5A6606A}"/>
-              </a:ext>
-            </a:extLst>
-          </p:cNvPr>
-          <p:cNvSpPr>
-            <a:spLocks noGrp="1"/>
-          </p:cNvSpPr>
-          <p:nvPr>
-            <p:ph type="title"/>
-          </p:nvPr>
-        </p:nvSpPr>
-        <p:spPr/>
-        <p:txBody>
-          <a:bodyPr/>
-          <a:lstStyle/>
-          <a:p>
-            <a:r>
-              <a:rPr lang="en-US" dirty="0"/>
-              <a:t>Parameters selection: Radiation/Chemo &amp; Malignment tumors</a:t>
-            </a:r>
-          </a:p>
-        </p:txBody>
-      </p:sp>
-      <p:pic>
-        <p:nvPicPr>
-          <p:cNvPr id="7" name="Content Placeholder 6" descr="A graph of a column with orange squares&#10;&#10;Description automatically generated with medium confidence">
-            <a:extLst>
-              <a:ext uri="{FF2B5EF4-FFF2-40B4-BE49-F238E27FC236}">
-                <a16:creationId xmlns:a16="http://schemas.microsoft.com/office/drawing/2014/main" id="{60668470-E1EE-74F6-44A4-F3BF4EFBFE66}"/>
-              </a:ext>
-            </a:extLst>
-          </p:cNvPr>
-          <p:cNvPicPr>
-            <a:picLocks noGrp="1" noChangeAspect="1"/>
-          </p:cNvPicPr>
-          <p:nvPr>
-            <p:ph sz="quarter" idx="10"/>
-          </p:nvPr>
-        </p:nvPicPr>
-        <p:blipFill>
-          <a:blip r:embed="rId2"/>
-          <a:stretch>
-            <a:fillRect/>
-          </a:stretch>
-        </p:blipFill>
-        <p:spPr>
-          <a:xfrm>
-            <a:off x="914400" y="2355124"/>
-            <a:ext cx="4992688" cy="3081201"/>
-          </a:xfrm>
-        </p:spPr>
-      </p:pic>
-      <p:pic>
-        <p:nvPicPr>
-          <p:cNvPr id="9" name="Content Placeholder 8" descr="A graph with green squares&#10;&#10;Description automatically generated">
-            <a:extLst>
-              <a:ext uri="{FF2B5EF4-FFF2-40B4-BE49-F238E27FC236}">
-                <a16:creationId xmlns:a16="http://schemas.microsoft.com/office/drawing/2014/main" id="{B5EF9E3B-F8BC-2F3C-B105-8D467EC1AE18}"/>
-              </a:ext>
-            </a:extLst>
-          </p:cNvPr>
-          <p:cNvPicPr>
-            <a:picLocks noGrp="1" noChangeAspect="1"/>
-          </p:cNvPicPr>
-          <p:nvPr>
-            <p:ph sz="quarter" idx="11"/>
-          </p:nvPr>
-        </p:nvPicPr>
-        <p:blipFill>
-          <a:blip r:embed="rId3"/>
-          <a:stretch>
-            <a:fillRect/>
-          </a:stretch>
-        </p:blipFill>
-        <p:spPr>
-          <a:xfrm>
-            <a:off x="6284913" y="2355124"/>
-            <a:ext cx="4992687" cy="3081201"/>
-          </a:xfrm>
-        </p:spPr>
-      </p:pic>
-      <p:sp>
-        <p:nvSpPr>
-          <p:cNvPr id="5" name="Slide Number Placeholder 4">
-            <a:extLst>
-              <a:ext uri="{FF2B5EF4-FFF2-40B4-BE49-F238E27FC236}">
-                <a16:creationId xmlns:a16="http://schemas.microsoft.com/office/drawing/2014/main" id="{BF3C0CD1-81D2-1F5D-EBD8-5FFFF3BD0180}"/>
-              </a:ext>
-            </a:extLst>
-          </p:cNvPr>
-          <p:cNvSpPr>
-            <a:spLocks noGrp="1"/>
-          </p:cNvSpPr>
-          <p:nvPr>
-            <p:ph type="sldNum" sz="quarter" idx="4"/>
-          </p:nvPr>
-        </p:nvSpPr>
-        <p:spPr/>
-        <p:txBody>
-          <a:bodyPr/>
-          <a:lstStyle/>
-          <a:p>
-            <a:fld id="{B5CEABB6-07DC-46E8-9B57-56EC44A396E5}" type="slidenum">
-              <a:rPr lang="en-US" smtClean="0"/>
-              <a:pPr/>
-              <a:t>18</a:t>
-            </a:fld>
-            <a:endParaRPr lang="en-US" dirty="0"/>
-          </a:p>
-        </p:txBody>
-      </p:sp>
-    </p:spTree>
-    <p:extLst>
-      <p:ext uri="{BB962C8B-B14F-4D97-AF65-F5344CB8AC3E}">
-        <p14:creationId xmlns:p14="http://schemas.microsoft.com/office/powerpoint/2010/main" val="678198592"/>
       </p:ext>
     </p:extLst>
   </p:cSld>
@@ -11586,11 +11932,69 @@
           <a:p>
             <a:r>
               <a:rPr lang="en-US" dirty="0"/>
-              <a:t>Parameters selection: Primary site &amp; Surgery</a:t>
+              <a:t>Parameters selection: Radiation/Chemo &amp; Malignment tumors</a:t>
             </a:r>
           </a:p>
         </p:txBody>
       </p:sp>
+      <p:pic>
+        <p:nvPicPr>
+          <p:cNvPr id="7" name="Content Placeholder 6" descr="A graph of a column with orange squares&#10;&#10;Description automatically generated with medium confidence">
+            <a:extLst>
+              <a:ext uri="{FF2B5EF4-FFF2-40B4-BE49-F238E27FC236}">
+                <a16:creationId xmlns:a16="http://schemas.microsoft.com/office/drawing/2014/main" id="{60668470-E1EE-74F6-44A4-F3BF4EFBFE66}"/>
+              </a:ext>
+            </a:extLst>
+          </p:cNvPr>
+          <p:cNvPicPr>
+            <a:picLocks noGrp="1" noChangeAspect="1"/>
+          </p:cNvPicPr>
+          <p:nvPr>
+            <p:ph sz="quarter" idx="10"/>
+          </p:nvPr>
+        </p:nvPicPr>
+        <p:blipFill>
+          <a:blip r:embed="rId2"/>
+          <a:stretch>
+            <a:fillRect/>
+          </a:stretch>
+        </p:blipFill>
+        <p:spPr>
+          <a:xfrm>
+            <a:off x="914400" y="2355124"/>
+            <a:ext cx="4992688" cy="3081201"/>
+          </a:xfrm>
+        </p:spPr>
+      </p:pic>
+      <p:pic>
+        <p:nvPicPr>
+          <p:cNvPr id="9" name="Content Placeholder 8" descr="A graph with green squares&#10;&#10;Description automatically generated">
+            <a:extLst>
+              <a:ext uri="{FF2B5EF4-FFF2-40B4-BE49-F238E27FC236}">
+                <a16:creationId xmlns:a16="http://schemas.microsoft.com/office/drawing/2014/main" id="{B5EF9E3B-F8BC-2F3C-B105-8D467EC1AE18}"/>
+              </a:ext>
+            </a:extLst>
+          </p:cNvPr>
+          <p:cNvPicPr>
+            <a:picLocks noGrp="1" noChangeAspect="1"/>
+          </p:cNvPicPr>
+          <p:nvPr>
+            <p:ph sz="quarter" idx="11"/>
+          </p:nvPr>
+        </p:nvPicPr>
+        <p:blipFill>
+          <a:blip r:embed="rId3"/>
+          <a:stretch>
+            <a:fillRect/>
+          </a:stretch>
+        </p:blipFill>
+        <p:spPr>
+          <a:xfrm>
+            <a:off x="6284913" y="2355124"/>
+            <a:ext cx="4992687" cy="3081201"/>
+          </a:xfrm>
+        </p:spPr>
+      </p:pic>
       <p:sp>
         <p:nvSpPr>
           <p:cNvPr id="5" name="Slide Number Placeholder 4">
@@ -11621,68 +12025,10 @@
           </a:p>
         </p:txBody>
       </p:sp>
-      <p:pic>
-        <p:nvPicPr>
-          <p:cNvPr id="17" name="Content Placeholder 16" descr="A graph showing a number of patients&#10;&#10;Description automatically generated">
-            <a:extLst>
-              <a:ext uri="{FF2B5EF4-FFF2-40B4-BE49-F238E27FC236}">
-                <a16:creationId xmlns:a16="http://schemas.microsoft.com/office/drawing/2014/main" id="{3A2A3759-8BB9-9C5E-FFED-63BF4215EA55}"/>
-              </a:ext>
-            </a:extLst>
-          </p:cNvPr>
-          <p:cNvPicPr>
-            <a:picLocks noGrp="1" noChangeAspect="1"/>
-          </p:cNvPicPr>
-          <p:nvPr>
-            <p:ph sz="quarter" idx="11"/>
-          </p:nvPr>
-        </p:nvPicPr>
-        <p:blipFill>
-          <a:blip r:embed="rId2"/>
-          <a:stretch>
-            <a:fillRect/>
-          </a:stretch>
-        </p:blipFill>
-        <p:spPr>
-          <a:xfrm>
-            <a:off x="6284913" y="2355124"/>
-            <a:ext cx="4992687" cy="3081201"/>
-          </a:xfrm>
-        </p:spPr>
-      </p:pic>
-      <p:pic>
-        <p:nvPicPr>
-          <p:cNvPr id="7" name="Content Placeholder 6" descr="A graph of pink squares&#10;&#10;Description automatically generated">
-            <a:extLst>
-              <a:ext uri="{FF2B5EF4-FFF2-40B4-BE49-F238E27FC236}">
-                <a16:creationId xmlns:a16="http://schemas.microsoft.com/office/drawing/2014/main" id="{734F46B5-EA0D-1A47-100F-F3D50BB5F9AC}"/>
-              </a:ext>
-            </a:extLst>
-          </p:cNvPr>
-          <p:cNvPicPr>
-            <a:picLocks noGrp="1" noChangeAspect="1"/>
-          </p:cNvPicPr>
-          <p:nvPr>
-            <p:ph sz="quarter" idx="10"/>
-          </p:nvPr>
-        </p:nvPicPr>
-        <p:blipFill>
-          <a:blip r:embed="rId3"/>
-          <a:stretch>
-            <a:fillRect/>
-          </a:stretch>
-        </p:blipFill>
-        <p:spPr>
-          <a:xfrm>
-            <a:off x="914400" y="2355124"/>
-            <a:ext cx="4992688" cy="3081201"/>
-          </a:xfrm>
-        </p:spPr>
-      </p:pic>
     </p:spTree>
     <p:extLst>
       <p:ext uri="{BB962C8B-B14F-4D97-AF65-F5344CB8AC3E}">
-        <p14:creationId xmlns:p14="http://schemas.microsoft.com/office/powerpoint/2010/main" val="3485469249"/>
+        <p14:creationId xmlns:p14="http://schemas.microsoft.com/office/powerpoint/2010/main" val="678198592"/>
       </p:ext>
     </p:extLst>
   </p:cSld>
@@ -11922,7 +12268,7 @@
           <a:p>
             <a:r>
               <a:rPr lang="en-US" dirty="0"/>
-              <a:t>Parameters selection: Marital Status &amp; Household income </a:t>
+              <a:t>Parameters selection: Primary site &amp; Surgery</a:t>
             </a:r>
           </a:p>
         </p:txBody>
@@ -11952,6 +12298,152 @@
               <a:rPr lang="en-US" smtClean="0"/>
               <a:pPr/>
               <a:t>20</a:t>
+            </a:fld>
+            <a:endParaRPr lang="en-US" dirty="0"/>
+          </a:p>
+        </p:txBody>
+      </p:sp>
+      <p:pic>
+        <p:nvPicPr>
+          <p:cNvPr id="17" name="Content Placeholder 16" descr="A graph showing a number of patients&#10;&#10;Description automatically generated">
+            <a:extLst>
+              <a:ext uri="{FF2B5EF4-FFF2-40B4-BE49-F238E27FC236}">
+                <a16:creationId xmlns:a16="http://schemas.microsoft.com/office/drawing/2014/main" id="{3A2A3759-8BB9-9C5E-FFED-63BF4215EA55}"/>
+              </a:ext>
+            </a:extLst>
+          </p:cNvPr>
+          <p:cNvPicPr>
+            <a:picLocks noGrp="1" noChangeAspect="1"/>
+          </p:cNvPicPr>
+          <p:nvPr>
+            <p:ph sz="quarter" idx="11"/>
+          </p:nvPr>
+        </p:nvPicPr>
+        <p:blipFill>
+          <a:blip r:embed="rId2"/>
+          <a:stretch>
+            <a:fillRect/>
+          </a:stretch>
+        </p:blipFill>
+        <p:spPr>
+          <a:xfrm>
+            <a:off x="6284913" y="2355124"/>
+            <a:ext cx="4992687" cy="3081201"/>
+          </a:xfrm>
+        </p:spPr>
+      </p:pic>
+      <p:pic>
+        <p:nvPicPr>
+          <p:cNvPr id="7" name="Content Placeholder 6" descr="A graph of pink squares&#10;&#10;Description automatically generated">
+            <a:extLst>
+              <a:ext uri="{FF2B5EF4-FFF2-40B4-BE49-F238E27FC236}">
+                <a16:creationId xmlns:a16="http://schemas.microsoft.com/office/drawing/2014/main" id="{734F46B5-EA0D-1A47-100F-F3D50BB5F9AC}"/>
+              </a:ext>
+            </a:extLst>
+          </p:cNvPr>
+          <p:cNvPicPr>
+            <a:picLocks noGrp="1" noChangeAspect="1"/>
+          </p:cNvPicPr>
+          <p:nvPr>
+            <p:ph sz="quarter" idx="10"/>
+          </p:nvPr>
+        </p:nvPicPr>
+        <p:blipFill>
+          <a:blip r:embed="rId3"/>
+          <a:stretch>
+            <a:fillRect/>
+          </a:stretch>
+        </p:blipFill>
+        <p:spPr>
+          <a:xfrm>
+            <a:off x="914400" y="2355124"/>
+            <a:ext cx="4992688" cy="3081201"/>
+          </a:xfrm>
+        </p:spPr>
+      </p:pic>
+    </p:spTree>
+    <p:extLst>
+      <p:ext uri="{BB962C8B-B14F-4D97-AF65-F5344CB8AC3E}">
+        <p14:creationId xmlns:p14="http://schemas.microsoft.com/office/powerpoint/2010/main" val="3485469249"/>
+      </p:ext>
+    </p:extLst>
+  </p:cSld>
+  <p:clrMapOvr>
+    <a:masterClrMapping/>
+  </p:clrMapOvr>
+</p:sld>
+</file>
+
+<file path=ppt/slides/slide21.xml><?xml version="1.0" encoding="utf-8"?>
+<p:sld xmlns:a="http://schemas.openxmlformats.org/drawingml/2006/main" xmlns:r="http://schemas.openxmlformats.org/officeDocument/2006/relationships" xmlns:p="http://schemas.openxmlformats.org/presentationml/2006/main">
+  <p:cSld>
+    <p:spTree>
+      <p:nvGrpSpPr>
+        <p:cNvPr id="1" name=""/>
+        <p:cNvGrpSpPr/>
+        <p:nvPr/>
+      </p:nvGrpSpPr>
+      <p:grpSpPr>
+        <a:xfrm>
+          <a:off x="0" y="0"/>
+          <a:ext cx="0" cy="0"/>
+          <a:chOff x="0" y="0"/>
+          <a:chExt cx="0" cy="0"/>
+        </a:xfrm>
+      </p:grpSpPr>
+      <p:sp>
+        <p:nvSpPr>
+          <p:cNvPr id="2" name="Title 1">
+            <a:extLst>
+              <a:ext uri="{FF2B5EF4-FFF2-40B4-BE49-F238E27FC236}">
+                <a16:creationId xmlns:a16="http://schemas.microsoft.com/office/drawing/2014/main" id="{F8490F30-8398-9623-D5C1-3528B5A6606A}"/>
+              </a:ext>
+            </a:extLst>
+          </p:cNvPr>
+          <p:cNvSpPr>
+            <a:spLocks noGrp="1"/>
+          </p:cNvSpPr>
+          <p:nvPr>
+            <p:ph type="title"/>
+          </p:nvPr>
+        </p:nvSpPr>
+        <p:spPr/>
+        <p:txBody>
+          <a:bodyPr/>
+          <a:lstStyle/>
+          <a:p>
+            <a:r>
+              <a:rPr lang="en-US" dirty="0"/>
+              <a:t>Parameters selection: Marital Status &amp; Household income </a:t>
+            </a:r>
+          </a:p>
+        </p:txBody>
+      </p:sp>
+      <p:sp>
+        <p:nvSpPr>
+          <p:cNvPr id="5" name="Slide Number Placeholder 4">
+            <a:extLst>
+              <a:ext uri="{FF2B5EF4-FFF2-40B4-BE49-F238E27FC236}">
+                <a16:creationId xmlns:a16="http://schemas.microsoft.com/office/drawing/2014/main" id="{BF3C0CD1-81D2-1F5D-EBD8-5FFFF3BD0180}"/>
+              </a:ext>
+            </a:extLst>
+          </p:cNvPr>
+          <p:cNvSpPr>
+            <a:spLocks noGrp="1"/>
+          </p:cNvSpPr>
+          <p:nvPr>
+            <p:ph type="sldNum" sz="quarter" idx="4"/>
+          </p:nvPr>
+        </p:nvSpPr>
+        <p:spPr/>
+        <p:txBody>
+          <a:bodyPr/>
+          <a:lstStyle/>
+          <a:p>
+            <a:fld id="{B5CEABB6-07DC-46E8-9B57-56EC44A396E5}" type="slidenum">
+              <a:rPr lang="en-US" smtClean="0"/>
+              <a:pPr/>
+              <a:t>21</a:t>
             </a:fld>
             <a:endParaRPr lang="en-US" dirty="0"/>
           </a:p>
@@ -12028,7 +12520,7 @@
 </p:sld>
 </file>
 
-<file path=ppt/slides/slide21.xml><?xml version="1.0" encoding="utf-8"?>
+<file path=ppt/slides/slide22.xml><?xml version="1.0" encoding="utf-8"?>
 <p:sld xmlns:a="http://schemas.openxmlformats.org/drawingml/2006/main" xmlns:r="http://schemas.openxmlformats.org/officeDocument/2006/relationships" xmlns:p="http://schemas.openxmlformats.org/presentationml/2006/main">
   <p:cSld>
     <p:spTree>
@@ -12155,7 +12647,7 @@
             <a:fld id="{B5CEABB6-07DC-46E8-9B57-56EC44A396E5}" type="slidenum">
               <a:rPr lang="en-US" smtClean="0"/>
               <a:pPr/>
-              <a:t>21</a:t>
+              <a:t>22</a:t>
             </a:fld>
             <a:endParaRPr lang="en-US" dirty="0"/>
           </a:p>
@@ -12294,7 +12786,7 @@
 </p:sld>
 </file>
 
-<file path=ppt/slides/slide22.xml><?xml version="1.0" encoding="utf-8"?>
+<file path=ppt/slides/slide23.xml><?xml version="1.0" encoding="utf-8"?>
 <p:sld xmlns:a="http://schemas.openxmlformats.org/drawingml/2006/main" xmlns:r="http://schemas.openxmlformats.org/officeDocument/2006/relationships" xmlns:p="http://schemas.openxmlformats.org/presentationml/2006/main">
   <p:cSld>
     <p:spTree>
@@ -12417,7 +12909,7 @@
             <a:fld id="{B5CEABB6-07DC-46E8-9B57-56EC44A396E5}" type="slidenum">
               <a:rPr lang="en-US" smtClean="0"/>
               <a:pPr/>
-              <a:t>22</a:t>
+              <a:t>23</a:t>
             </a:fld>
             <a:endParaRPr lang="en-US" dirty="0"/>
           </a:p>
@@ -12523,7 +13015,7 @@
 </p:sld>
 </file>
 
-<file path=ppt/slides/slide23.xml><?xml version="1.0" encoding="utf-8"?>
+<file path=ppt/slides/slide24.xml><?xml version="1.0" encoding="utf-8"?>
 <p:sld xmlns:a="http://schemas.openxmlformats.org/drawingml/2006/main" xmlns:r="http://schemas.openxmlformats.org/officeDocument/2006/relationships" xmlns:p="http://schemas.openxmlformats.org/presentationml/2006/main">
   <p:cSld>
     <p:spTree>
@@ -12592,7 +13084,7 @@
             <a:fld id="{B5CEABB6-07DC-46E8-9B57-56EC44A396E5}" type="slidenum">
               <a:rPr lang="en-US" smtClean="0"/>
               <a:pPr/>
-              <a:t>23</a:t>
+              <a:t>24</a:t>
             </a:fld>
             <a:endParaRPr lang="en-US" dirty="0"/>
           </a:p>
@@ -12658,7 +13150,7 @@
       </p:pic>
       <p:pic>
         <p:nvPicPr>
-          <p:cNvPr id="7" name="Content Placeholder 6" descr="A graph of a curve&#10;&#10;Description automatically generated">
+          <p:cNvPr id="7" name="Content Placeholder 6">
             <a:extLst>
               <a:ext uri="{FF2B5EF4-FFF2-40B4-BE49-F238E27FC236}">
                 <a16:creationId xmlns:a16="http://schemas.microsoft.com/office/drawing/2014/main" id="{095E05D7-864E-2677-8891-9CBEEB88C667}"/>
@@ -12674,9 +13166,8 @@
         </p:nvPicPr>
         <p:blipFill>
           <a:blip r:embed="rId4"/>
-          <a:stretch>
-            <a:fillRect/>
-          </a:stretch>
+          <a:srcRect/>
+          <a:stretch/>
         </p:blipFill>
         <p:spPr>
           <a:xfrm>
@@ -12687,7 +13178,7 @@
       </p:pic>
       <p:pic>
         <p:nvPicPr>
-          <p:cNvPr id="9" name="Picture 8" descr="A green and black graph&#10;&#10;Description automatically generated with medium confidence">
+          <p:cNvPr id="9" name="Picture 8">
             <a:extLst>
               <a:ext uri="{FF2B5EF4-FFF2-40B4-BE49-F238E27FC236}">
                 <a16:creationId xmlns:a16="http://schemas.microsoft.com/office/drawing/2014/main" id="{DA7A673D-38E5-B2F1-EB95-FFD1DE34759C}"/>
@@ -12701,14 +13192,13 @@
         </p:nvPicPr>
         <p:blipFill>
           <a:blip r:embed="rId5"/>
-          <a:stretch>
-            <a:fillRect/>
-          </a:stretch>
+          <a:srcRect/>
+          <a:stretch/>
         </p:blipFill>
         <p:spPr>
           <a:xfrm>
             <a:off x="5733897" y="215202"/>
-            <a:ext cx="4992686" cy="3081201"/>
+            <a:ext cx="4992686" cy="3081200"/>
           </a:xfrm>
           <a:prstGeom prst="rect">
             <a:avLst/>
@@ -12719,242 +13209,6 @@
     <p:extLst>
       <p:ext uri="{BB962C8B-B14F-4D97-AF65-F5344CB8AC3E}">
         <p14:creationId xmlns:p14="http://schemas.microsoft.com/office/powerpoint/2010/main" val="2914370414"/>
-      </p:ext>
-    </p:extLst>
-  </p:cSld>
-  <p:clrMapOvr>
-    <a:masterClrMapping/>
-  </p:clrMapOvr>
-</p:sld>
-</file>
-
-<file path=ppt/slides/slide24.xml><?xml version="1.0" encoding="utf-8"?>
-<p:sld xmlns:a="http://schemas.openxmlformats.org/drawingml/2006/main" xmlns:r="http://schemas.openxmlformats.org/officeDocument/2006/relationships" xmlns:p="http://schemas.openxmlformats.org/presentationml/2006/main">
-  <p:cSld>
-    <p:spTree>
-      <p:nvGrpSpPr>
-        <p:cNvPr id="1" name=""/>
-        <p:cNvGrpSpPr/>
-        <p:nvPr/>
-      </p:nvGrpSpPr>
-      <p:grpSpPr>
-        <a:xfrm>
-          <a:off x="0" y="0"/>
-          <a:ext cx="0" cy="0"/>
-          <a:chOff x="0" y="0"/>
-          <a:chExt cx="0" cy="0"/>
-        </a:xfrm>
-      </p:grpSpPr>
-      <p:sp>
-        <p:nvSpPr>
-          <p:cNvPr id="2" name="Title 1">
-            <a:extLst>
-              <a:ext uri="{FF2B5EF4-FFF2-40B4-BE49-F238E27FC236}">
-                <a16:creationId xmlns:a16="http://schemas.microsoft.com/office/drawing/2014/main" id="{7F9E2EBB-07ED-70B4-5E01-C5BED00BE470}"/>
-              </a:ext>
-            </a:extLst>
-          </p:cNvPr>
-          <p:cNvSpPr>
-            <a:spLocks noGrp="1"/>
-          </p:cNvSpPr>
-          <p:nvPr>
-            <p:ph type="title"/>
-          </p:nvPr>
-        </p:nvSpPr>
-        <p:spPr/>
-        <p:txBody>
-          <a:bodyPr/>
-          <a:lstStyle/>
-          <a:p>
-            <a:r>
-              <a:rPr lang="en-US" dirty="0"/>
-              <a:t>Logistic Regression</a:t>
-            </a:r>
-          </a:p>
-        </p:txBody>
-      </p:sp>
-      <p:pic>
-        <p:nvPicPr>
-          <p:cNvPr id="9" name="Content Placeholder 8" descr="A diagram of a heatmap&#10;&#10;Description automatically generated">
-            <a:extLst>
-              <a:ext uri="{FF2B5EF4-FFF2-40B4-BE49-F238E27FC236}">
-                <a16:creationId xmlns:a16="http://schemas.microsoft.com/office/drawing/2014/main" id="{A0ECCE52-4E90-D847-5FE4-88AF445AFFC9}"/>
-              </a:ext>
-            </a:extLst>
-          </p:cNvPr>
-          <p:cNvPicPr>
-            <a:picLocks noGrp="1" noChangeAspect="1"/>
-          </p:cNvPicPr>
-          <p:nvPr>
-            <p:ph sz="quarter" idx="10"/>
-          </p:nvPr>
-        </p:nvPicPr>
-        <p:blipFill>
-          <a:blip r:embed="rId2"/>
-          <a:stretch>
-            <a:fillRect/>
-          </a:stretch>
-        </p:blipFill>
-        <p:spPr>
-          <a:xfrm>
-            <a:off x="5907088" y="347799"/>
-            <a:ext cx="4992688" cy="3081201"/>
-          </a:xfrm>
-        </p:spPr>
-      </p:pic>
-      <p:pic>
-        <p:nvPicPr>
-          <p:cNvPr id="11" name="Content Placeholder 10" descr="A graph of a curve&#10;&#10;Description automatically generated">
-            <a:extLst>
-              <a:ext uri="{FF2B5EF4-FFF2-40B4-BE49-F238E27FC236}">
-                <a16:creationId xmlns:a16="http://schemas.microsoft.com/office/drawing/2014/main" id="{49CB274A-35B5-6706-452E-2917F07FA933}"/>
-              </a:ext>
-            </a:extLst>
-          </p:cNvPr>
-          <p:cNvPicPr>
-            <a:picLocks noGrp="1" noChangeAspect="1"/>
-          </p:cNvPicPr>
-          <p:nvPr>
-            <p:ph sz="quarter" idx="11"/>
-          </p:nvPr>
-        </p:nvPicPr>
-        <p:blipFill>
-          <a:blip r:embed="rId3"/>
-          <a:stretch>
-            <a:fillRect/>
-          </a:stretch>
-        </p:blipFill>
-        <p:spPr>
-          <a:xfrm>
-            <a:off x="5907088" y="3461267"/>
-            <a:ext cx="4992687" cy="3081201"/>
-          </a:xfrm>
-        </p:spPr>
-      </p:pic>
-      <p:sp>
-        <p:nvSpPr>
-          <p:cNvPr id="5" name="Slide Number Placeholder 4">
-            <a:extLst>
-              <a:ext uri="{FF2B5EF4-FFF2-40B4-BE49-F238E27FC236}">
-                <a16:creationId xmlns:a16="http://schemas.microsoft.com/office/drawing/2014/main" id="{F42FAD05-6C72-DB20-C639-C1887CAE730F}"/>
-              </a:ext>
-            </a:extLst>
-          </p:cNvPr>
-          <p:cNvSpPr>
-            <a:spLocks noGrp="1"/>
-          </p:cNvSpPr>
-          <p:nvPr>
-            <p:ph type="sldNum" sz="quarter" idx="4"/>
-          </p:nvPr>
-        </p:nvSpPr>
-        <p:spPr/>
-        <p:txBody>
-          <a:bodyPr/>
-          <a:lstStyle/>
-          <a:p>
-            <a:fld id="{B5CEABB6-07DC-46E8-9B57-56EC44A396E5}" type="slidenum">
-              <a:rPr lang="en-US" smtClean="0"/>
-              <a:pPr/>
-              <a:t>24</a:t>
-            </a:fld>
-            <a:endParaRPr lang="en-US" dirty="0"/>
-          </a:p>
-        </p:txBody>
-      </p:sp>
-      <p:pic>
-        <p:nvPicPr>
-          <p:cNvPr id="7" name="Picture 6">
-            <a:extLst>
-              <a:ext uri="{FF2B5EF4-FFF2-40B4-BE49-F238E27FC236}">
-                <a16:creationId xmlns:a16="http://schemas.microsoft.com/office/drawing/2014/main" id="{45A0AD84-8792-06D1-41E7-4C701E26B43D}"/>
-              </a:ext>
-            </a:extLst>
-          </p:cNvPr>
-          <p:cNvPicPr>
-            <a:picLocks noChangeAspect="1"/>
-          </p:cNvPicPr>
-          <p:nvPr/>
-        </p:nvPicPr>
-        <p:blipFill>
-          <a:blip r:embed="rId4"/>
-          <a:stretch>
-            <a:fillRect/>
-          </a:stretch>
-        </p:blipFill>
-        <p:spPr>
-          <a:xfrm>
-            <a:off x="1229932" y="1561278"/>
-            <a:ext cx="3143689" cy="866896"/>
-          </a:xfrm>
-          <a:prstGeom prst="rect">
-            <a:avLst/>
-          </a:prstGeom>
-        </p:spPr>
-      </p:pic>
-      <p:pic>
-        <p:nvPicPr>
-          <p:cNvPr id="13" name="Picture 12">
-            <a:extLst>
-              <a:ext uri="{FF2B5EF4-FFF2-40B4-BE49-F238E27FC236}">
-                <a16:creationId xmlns:a16="http://schemas.microsoft.com/office/drawing/2014/main" id="{C16ABF29-A9CA-127F-677A-33DECA8407F9}"/>
-              </a:ext>
-            </a:extLst>
-          </p:cNvPr>
-          <p:cNvPicPr>
-            <a:picLocks noChangeAspect="1"/>
-          </p:cNvPicPr>
-          <p:nvPr/>
-        </p:nvPicPr>
-        <p:blipFill>
-          <a:blip r:embed="rId5"/>
-          <a:stretch>
-            <a:fillRect/>
-          </a:stretch>
-        </p:blipFill>
-        <p:spPr>
-          <a:xfrm>
-            <a:off x="760273" y="2459820"/>
-            <a:ext cx="4522839" cy="1001447"/>
-          </a:xfrm>
-          <a:prstGeom prst="rect">
-            <a:avLst/>
-          </a:prstGeom>
-        </p:spPr>
-      </p:pic>
-      <p:pic>
-        <p:nvPicPr>
-          <p:cNvPr id="4" name="Picture 3" descr="A green squares with black numbers&#10;&#10;Description automatically generated">
-            <a:extLst>
-              <a:ext uri="{FF2B5EF4-FFF2-40B4-BE49-F238E27FC236}">
-                <a16:creationId xmlns:a16="http://schemas.microsoft.com/office/drawing/2014/main" id="{C186FF1D-70BE-B324-313B-66CE8B38045D}"/>
-              </a:ext>
-            </a:extLst>
-          </p:cNvPr>
-          <p:cNvPicPr>
-            <a:picLocks noChangeAspect="1"/>
-          </p:cNvPicPr>
-          <p:nvPr/>
-        </p:nvPicPr>
-        <p:blipFill>
-          <a:blip r:embed="rId6"/>
-          <a:stretch>
-            <a:fillRect/>
-          </a:stretch>
-        </p:blipFill>
-        <p:spPr>
-          <a:xfrm>
-            <a:off x="770616" y="3492912"/>
-            <a:ext cx="4992686" cy="3081201"/>
-          </a:xfrm>
-          <a:prstGeom prst="rect">
-            <a:avLst/>
-          </a:prstGeom>
-        </p:spPr>
-      </p:pic>
-    </p:spTree>
-    <p:extLst>
-      <p:ext uri="{BB962C8B-B14F-4D97-AF65-F5344CB8AC3E}">
-        <p14:creationId xmlns:p14="http://schemas.microsoft.com/office/powerpoint/2010/main" val="1917507065"/>
       </p:ext>
     </p:extLst>
   </p:cSld>
@@ -12986,7 +13240,7 @@
           <p:cNvPr id="2" name="Title 1">
             <a:extLst>
               <a:ext uri="{FF2B5EF4-FFF2-40B4-BE49-F238E27FC236}">
-                <a16:creationId xmlns:a16="http://schemas.microsoft.com/office/drawing/2014/main" id="{1479F853-33FE-C685-842D-B625E32A482C}"/>
+                <a16:creationId xmlns:a16="http://schemas.microsoft.com/office/drawing/2014/main" id="{7F9E2EBB-07ED-70B4-5E01-C5BED00BE470}"/>
               </a:ext>
             </a:extLst>
           </p:cNvPr>
@@ -13004,6 +13258,240 @@
           <a:p>
             <a:r>
               <a:rPr lang="en-US" dirty="0"/>
+              <a:t>Logistic Regression</a:t>
+            </a:r>
+          </a:p>
+        </p:txBody>
+      </p:sp>
+      <p:pic>
+        <p:nvPicPr>
+          <p:cNvPr id="9" name="Content Placeholder 8" descr="A diagram of a heatmap&#10;&#10;Description automatically generated">
+            <a:extLst>
+              <a:ext uri="{FF2B5EF4-FFF2-40B4-BE49-F238E27FC236}">
+                <a16:creationId xmlns:a16="http://schemas.microsoft.com/office/drawing/2014/main" id="{A0ECCE52-4E90-D847-5FE4-88AF445AFFC9}"/>
+              </a:ext>
+            </a:extLst>
+          </p:cNvPr>
+          <p:cNvPicPr>
+            <a:picLocks noGrp="1" noChangeAspect="1"/>
+          </p:cNvPicPr>
+          <p:nvPr>
+            <p:ph sz="quarter" idx="10"/>
+          </p:nvPr>
+        </p:nvPicPr>
+        <p:blipFill>
+          <a:blip r:embed="rId2"/>
+          <a:stretch>
+            <a:fillRect/>
+          </a:stretch>
+        </p:blipFill>
+        <p:spPr>
+          <a:xfrm>
+            <a:off x="5907088" y="347799"/>
+            <a:ext cx="4992688" cy="3081201"/>
+          </a:xfrm>
+        </p:spPr>
+      </p:pic>
+      <p:pic>
+        <p:nvPicPr>
+          <p:cNvPr id="11" name="Content Placeholder 10">
+            <a:extLst>
+              <a:ext uri="{FF2B5EF4-FFF2-40B4-BE49-F238E27FC236}">
+                <a16:creationId xmlns:a16="http://schemas.microsoft.com/office/drawing/2014/main" id="{49CB274A-35B5-6706-452E-2917F07FA933}"/>
+              </a:ext>
+            </a:extLst>
+          </p:cNvPr>
+          <p:cNvPicPr>
+            <a:picLocks noGrp="1" noChangeAspect="1"/>
+          </p:cNvPicPr>
+          <p:nvPr>
+            <p:ph sz="quarter" idx="11"/>
+          </p:nvPr>
+        </p:nvPicPr>
+        <p:blipFill>
+          <a:blip r:embed="rId3"/>
+          <a:srcRect/>
+          <a:stretch/>
+        </p:blipFill>
+        <p:spPr>
+          <a:xfrm>
+            <a:off x="5907088" y="3461267"/>
+            <a:ext cx="4992687" cy="3081201"/>
+          </a:xfrm>
+        </p:spPr>
+      </p:pic>
+      <p:sp>
+        <p:nvSpPr>
+          <p:cNvPr id="5" name="Slide Number Placeholder 4">
+            <a:extLst>
+              <a:ext uri="{FF2B5EF4-FFF2-40B4-BE49-F238E27FC236}">
+                <a16:creationId xmlns:a16="http://schemas.microsoft.com/office/drawing/2014/main" id="{F42FAD05-6C72-DB20-C639-C1887CAE730F}"/>
+              </a:ext>
+            </a:extLst>
+          </p:cNvPr>
+          <p:cNvSpPr>
+            <a:spLocks noGrp="1"/>
+          </p:cNvSpPr>
+          <p:nvPr>
+            <p:ph type="sldNum" sz="quarter" idx="4"/>
+          </p:nvPr>
+        </p:nvSpPr>
+        <p:spPr/>
+        <p:txBody>
+          <a:bodyPr/>
+          <a:lstStyle/>
+          <a:p>
+            <a:fld id="{B5CEABB6-07DC-46E8-9B57-56EC44A396E5}" type="slidenum">
+              <a:rPr lang="en-US" smtClean="0"/>
+              <a:pPr/>
+              <a:t>25</a:t>
+            </a:fld>
+            <a:endParaRPr lang="en-US" dirty="0"/>
+          </a:p>
+        </p:txBody>
+      </p:sp>
+      <p:pic>
+        <p:nvPicPr>
+          <p:cNvPr id="7" name="Picture 6">
+            <a:extLst>
+              <a:ext uri="{FF2B5EF4-FFF2-40B4-BE49-F238E27FC236}">
+                <a16:creationId xmlns:a16="http://schemas.microsoft.com/office/drawing/2014/main" id="{45A0AD84-8792-06D1-41E7-4C701E26B43D}"/>
+              </a:ext>
+            </a:extLst>
+          </p:cNvPr>
+          <p:cNvPicPr>
+            <a:picLocks noChangeAspect="1"/>
+          </p:cNvPicPr>
+          <p:nvPr/>
+        </p:nvPicPr>
+        <p:blipFill>
+          <a:blip r:embed="rId4"/>
+          <a:stretch>
+            <a:fillRect/>
+          </a:stretch>
+        </p:blipFill>
+        <p:spPr>
+          <a:xfrm>
+            <a:off x="1229932" y="1561278"/>
+            <a:ext cx="3143689" cy="866896"/>
+          </a:xfrm>
+          <a:prstGeom prst="rect">
+            <a:avLst/>
+          </a:prstGeom>
+        </p:spPr>
+      </p:pic>
+      <p:pic>
+        <p:nvPicPr>
+          <p:cNvPr id="13" name="Picture 12">
+            <a:extLst>
+              <a:ext uri="{FF2B5EF4-FFF2-40B4-BE49-F238E27FC236}">
+                <a16:creationId xmlns:a16="http://schemas.microsoft.com/office/drawing/2014/main" id="{C16ABF29-A9CA-127F-677A-33DECA8407F9}"/>
+              </a:ext>
+            </a:extLst>
+          </p:cNvPr>
+          <p:cNvPicPr>
+            <a:picLocks noChangeAspect="1"/>
+          </p:cNvPicPr>
+          <p:nvPr/>
+        </p:nvPicPr>
+        <p:blipFill>
+          <a:blip r:embed="rId5"/>
+          <a:stretch>
+            <a:fillRect/>
+          </a:stretch>
+        </p:blipFill>
+        <p:spPr>
+          <a:xfrm>
+            <a:off x="760273" y="2459820"/>
+            <a:ext cx="4522839" cy="1001447"/>
+          </a:xfrm>
+          <a:prstGeom prst="rect">
+            <a:avLst/>
+          </a:prstGeom>
+        </p:spPr>
+      </p:pic>
+      <p:pic>
+        <p:nvPicPr>
+          <p:cNvPr id="4" name="Picture 3">
+            <a:extLst>
+              <a:ext uri="{FF2B5EF4-FFF2-40B4-BE49-F238E27FC236}">
+                <a16:creationId xmlns:a16="http://schemas.microsoft.com/office/drawing/2014/main" id="{C186FF1D-70BE-B324-313B-66CE8B38045D}"/>
+              </a:ext>
+            </a:extLst>
+          </p:cNvPr>
+          <p:cNvPicPr>
+            <a:picLocks noChangeAspect="1"/>
+          </p:cNvPicPr>
+          <p:nvPr/>
+        </p:nvPicPr>
+        <p:blipFill>
+          <a:blip r:embed="rId6"/>
+          <a:srcRect/>
+          <a:stretch/>
+        </p:blipFill>
+        <p:spPr>
+          <a:xfrm>
+            <a:off x="771791" y="3492912"/>
+            <a:ext cx="4990336" cy="3081201"/>
+          </a:xfrm>
+          <a:prstGeom prst="rect">
+            <a:avLst/>
+          </a:prstGeom>
+        </p:spPr>
+      </p:pic>
+    </p:spTree>
+    <p:extLst>
+      <p:ext uri="{BB962C8B-B14F-4D97-AF65-F5344CB8AC3E}">
+        <p14:creationId xmlns:p14="http://schemas.microsoft.com/office/powerpoint/2010/main" val="1917507065"/>
+      </p:ext>
+    </p:extLst>
+  </p:cSld>
+  <p:clrMapOvr>
+    <a:masterClrMapping/>
+  </p:clrMapOvr>
+</p:sld>
+</file>
+
+<file path=ppt/slides/slide26.xml><?xml version="1.0" encoding="utf-8"?>
+<p:sld xmlns:a="http://schemas.openxmlformats.org/drawingml/2006/main" xmlns:r="http://schemas.openxmlformats.org/officeDocument/2006/relationships" xmlns:p="http://schemas.openxmlformats.org/presentationml/2006/main">
+  <p:cSld>
+    <p:spTree>
+      <p:nvGrpSpPr>
+        <p:cNvPr id="1" name=""/>
+        <p:cNvGrpSpPr/>
+        <p:nvPr/>
+      </p:nvGrpSpPr>
+      <p:grpSpPr>
+        <a:xfrm>
+          <a:off x="0" y="0"/>
+          <a:ext cx="0" cy="0"/>
+          <a:chOff x="0" y="0"/>
+          <a:chExt cx="0" cy="0"/>
+        </a:xfrm>
+      </p:grpSpPr>
+      <p:sp>
+        <p:nvSpPr>
+          <p:cNvPr id="2" name="Title 1">
+            <a:extLst>
+              <a:ext uri="{FF2B5EF4-FFF2-40B4-BE49-F238E27FC236}">
+                <a16:creationId xmlns:a16="http://schemas.microsoft.com/office/drawing/2014/main" id="{1479F853-33FE-C685-842D-B625E32A482C}"/>
+              </a:ext>
+            </a:extLst>
+          </p:cNvPr>
+          <p:cNvSpPr>
+            <a:spLocks noGrp="1"/>
+          </p:cNvSpPr>
+          <p:nvPr>
+            <p:ph type="title"/>
+          </p:nvPr>
+        </p:nvSpPr>
+        <p:spPr/>
+        <p:txBody>
+          <a:bodyPr/>
+          <a:lstStyle/>
+          <a:p>
+            <a:r>
+              <a:rPr lang="en-US" dirty="0"/>
               <a:t>Gradient Boosting (</a:t>
             </a:r>
             <a:r>
@@ -13091,7 +13579,7 @@
             <a:fld id="{B5CEABB6-07DC-46E8-9B57-56EC44A396E5}" type="slidenum">
               <a:rPr lang="en-US" smtClean="0"/>
               <a:pPr/>
-              <a:t>25</a:t>
+              <a:t>26</a:t>
             </a:fld>
             <a:endParaRPr lang="en-US" dirty="0"/>
           </a:p>
@@ -13170,7 +13658,7 @@
 </p:sld>
 </file>
 
-<file path=ppt/slides/slide26.xml><?xml version="1.0" encoding="utf-8"?>
+<file path=ppt/slides/slide27.xml><?xml version="1.0" encoding="utf-8"?>
 <p:sld xmlns:a="http://schemas.openxmlformats.org/drawingml/2006/main" xmlns:r="http://schemas.openxmlformats.org/officeDocument/2006/relationships" xmlns:p="http://schemas.openxmlformats.org/presentationml/2006/main">
   <p:cSld>
     <p:spTree>
@@ -13268,7 +13756,7 @@
             <a:fld id="{B5CEABB6-07DC-46E8-9B57-56EC44A396E5}" type="slidenum">
               <a:rPr lang="en-US" smtClean="0"/>
               <a:pPr/>
-              <a:t>26</a:t>
+              <a:t>27</a:t>
             </a:fld>
             <a:endParaRPr lang="en-US" dirty="0"/>
           </a:p>
@@ -13346,7 +13834,7 @@
 </p:sld>
 </file>
 
-<file path=ppt/slides/slide27.xml><?xml version="1.0" encoding="utf-8"?>
+<file path=ppt/slides/slide28.xml><?xml version="1.0" encoding="utf-8"?>
 <p:sld xmlns:a="http://schemas.openxmlformats.org/drawingml/2006/main" xmlns:r="http://schemas.openxmlformats.org/officeDocument/2006/relationships" xmlns:p="http://schemas.openxmlformats.org/presentationml/2006/main">
   <p:cSld>
     <p:spTree>
@@ -13393,7 +13881,7 @@
       </p:sp>
       <p:pic>
         <p:nvPicPr>
-          <p:cNvPr id="7" name="Content Placeholder 6" descr="A green and black chart&#10;&#10;Description automatically generated">
+          <p:cNvPr id="7" name="Content Placeholder 6">
             <a:extLst>
               <a:ext uri="{FF2B5EF4-FFF2-40B4-BE49-F238E27FC236}">
                 <a16:creationId xmlns:a16="http://schemas.microsoft.com/office/drawing/2014/main" id="{4951EA26-8ADF-8C87-E504-809E77AB21B4}"/>
@@ -13409,13 +13897,12 @@
         </p:nvPicPr>
         <p:blipFill>
           <a:blip r:embed="rId2"/>
-          <a:stretch>
-            <a:fillRect/>
-          </a:stretch>
+          <a:srcRect/>
+          <a:stretch/>
         </p:blipFill>
         <p:spPr>
           <a:xfrm>
-            <a:off x="914400" y="2355124"/>
+            <a:off x="6794205" y="207347"/>
             <a:ext cx="4992688" cy="3081201"/>
           </a:xfrm>
         </p:spPr>
@@ -13444,7 +13931,7 @@
         </p:blipFill>
         <p:spPr>
           <a:xfrm>
-            <a:off x="6284913" y="2823652"/>
+            <a:off x="649658" y="1569564"/>
             <a:ext cx="4992687" cy="2144146"/>
           </a:xfrm>
         </p:spPr>
@@ -13473,12 +13960,41 @@
             <a:fld id="{B5CEABB6-07DC-46E8-9B57-56EC44A396E5}" type="slidenum">
               <a:rPr lang="en-US" smtClean="0"/>
               <a:pPr/>
-              <a:t>27</a:t>
+              <a:t>28</a:t>
             </a:fld>
             <a:endParaRPr lang="en-US" dirty="0"/>
           </a:p>
         </p:txBody>
       </p:sp>
+      <p:pic>
+        <p:nvPicPr>
+          <p:cNvPr id="4" name="Picture 3">
+            <a:extLst>
+              <a:ext uri="{FF2B5EF4-FFF2-40B4-BE49-F238E27FC236}">
+                <a16:creationId xmlns:a16="http://schemas.microsoft.com/office/drawing/2014/main" id="{280B6F53-FF89-507E-1CED-2E939554E9AC}"/>
+              </a:ext>
+            </a:extLst>
+          </p:cNvPr>
+          <p:cNvPicPr>
+            <a:picLocks noChangeAspect="1"/>
+          </p:cNvPicPr>
+          <p:nvPr/>
+        </p:nvPicPr>
+        <p:blipFill>
+          <a:blip r:embed="rId4"/>
+          <a:srcRect/>
+          <a:stretch/>
+        </p:blipFill>
+        <p:spPr>
+          <a:xfrm>
+            <a:off x="6794205" y="3446326"/>
+            <a:ext cx="4990866" cy="3081527"/>
+          </a:xfrm>
+          <a:prstGeom prst="rect">
+            <a:avLst/>
+          </a:prstGeom>
+        </p:spPr>
+      </p:pic>
     </p:spTree>
     <p:extLst>
       <p:ext uri="{BB962C8B-B14F-4D97-AF65-F5344CB8AC3E}">
@@ -13511,6 +14027,164 @@
       </p:grpSpPr>
       <p:sp>
         <p:nvSpPr>
+          <p:cNvPr id="2" name="Title 1">
+            <a:extLst>
+              <a:ext uri="{FF2B5EF4-FFF2-40B4-BE49-F238E27FC236}">
+                <a16:creationId xmlns:a16="http://schemas.microsoft.com/office/drawing/2014/main" id="{2C429C99-C651-DD08-4383-C74168D18F72}"/>
+              </a:ext>
+            </a:extLst>
+          </p:cNvPr>
+          <p:cNvSpPr>
+            <a:spLocks noGrp="1"/>
+          </p:cNvSpPr>
+          <p:nvPr>
+            <p:ph type="title"/>
+          </p:nvPr>
+        </p:nvSpPr>
+        <p:spPr/>
+        <p:txBody>
+          <a:bodyPr/>
+          <a:lstStyle/>
+          <a:p>
+            <a:r>
+              <a:rPr lang="en-US" dirty="0"/>
+              <a:t>Problem Statement: Predicting Breast Cancer Survival Rates</a:t>
+            </a:r>
+          </a:p>
+        </p:txBody>
+      </p:sp>
+      <p:sp>
+        <p:nvSpPr>
+          <p:cNvPr id="4" name="Table Placeholder 3">
+            <a:extLst>
+              <a:ext uri="{FF2B5EF4-FFF2-40B4-BE49-F238E27FC236}">
+                <a16:creationId xmlns:a16="http://schemas.microsoft.com/office/drawing/2014/main" id="{DBAEE9E5-3314-D407-A705-06C6382121C6}"/>
+              </a:ext>
+            </a:extLst>
+          </p:cNvPr>
+          <p:cNvSpPr>
+            <a:spLocks noGrp="1"/>
+          </p:cNvSpPr>
+          <p:nvPr>
+            <p:ph type="tbl" sz="quarter" idx="11"/>
+          </p:nvPr>
+        </p:nvSpPr>
+        <p:spPr>
+          <a:xfrm>
+            <a:off x="914399" y="2017713"/>
+            <a:ext cx="10363201" cy="3932237"/>
+          </a:xfrm>
+        </p:spPr>
+        <p:txBody>
+          <a:bodyPr>
+            <a:noAutofit/>
+          </a:bodyPr>
+          <a:lstStyle/>
+          <a:p>
+            <a:pPr marL="0" indent="0">
+              <a:buNone/>
+            </a:pPr>
+            <a:r>
+              <a:rPr lang="en-US" sz="2500" dirty="0"/>
+              <a:t>Leveraging the SEER database (2011-2015), our mission is to train a machine learning model with ambitious objectives:</a:t>
+            </a:r>
+          </a:p>
+          <a:p>
+            <a:pPr lvl="1"/>
+            <a:r>
+              <a:rPr lang="en-US" sz="2000" dirty="0"/>
+              <a:t>Exceptional Accuracy: Our aim is not only to surpass the 75% survival rate benchmark but also achieve accuracy levels exceeding 96%.</a:t>
+            </a:r>
+          </a:p>
+          <a:p>
+            <a:pPr lvl="1"/>
+            <a:r>
+              <a:rPr lang="en-US" sz="2000" dirty="0"/>
+              <a:t>Critical Parameter Exploration: We will delve into 16 influential factors (such as race and cancer type) that impact survival. These parameters will be instrumental in training our model effectively.</a:t>
+            </a:r>
+          </a:p>
+          <a:p>
+            <a:pPr marL="0" indent="0">
+              <a:buNone/>
+            </a:pPr>
+            <a:r>
+              <a:rPr lang="en-US" sz="2500" dirty="0"/>
+              <a:t>This project serves as a vital link between data science and patient care, empowering informed decisions. </a:t>
+            </a:r>
+          </a:p>
+          <a:p>
+            <a:pPr marL="0" indent="0">
+              <a:buNone/>
+            </a:pPr>
+            <a:r>
+              <a:rPr lang="en-US" sz="2500" dirty="0"/>
+              <a:t>Our approach involves statistical analyses to identify crucial parameters and evaluate their dependencies.</a:t>
+            </a:r>
+          </a:p>
+        </p:txBody>
+      </p:sp>
+      <p:sp>
+        <p:nvSpPr>
+          <p:cNvPr id="5" name="Slide Number Placeholder 4">
+            <a:extLst>
+              <a:ext uri="{FF2B5EF4-FFF2-40B4-BE49-F238E27FC236}">
+                <a16:creationId xmlns:a16="http://schemas.microsoft.com/office/drawing/2014/main" id="{8581114F-619B-6751-2886-EE4681EF4331}"/>
+              </a:ext>
+            </a:extLst>
+          </p:cNvPr>
+          <p:cNvSpPr>
+            <a:spLocks noGrp="1"/>
+          </p:cNvSpPr>
+          <p:nvPr>
+            <p:ph type="sldNum" sz="quarter" idx="4"/>
+          </p:nvPr>
+        </p:nvSpPr>
+        <p:spPr/>
+        <p:txBody>
+          <a:bodyPr/>
+          <a:lstStyle/>
+          <a:p>
+            <a:fld id="{B5CEABB6-07DC-46E8-9B57-56EC44A396E5}" type="slidenum">
+              <a:rPr lang="en-US" smtClean="0"/>
+              <a:pPr/>
+              <a:t>3</a:t>
+            </a:fld>
+            <a:endParaRPr lang="en-US" dirty="0"/>
+          </a:p>
+        </p:txBody>
+      </p:sp>
+    </p:spTree>
+    <p:extLst>
+      <p:ext uri="{BB962C8B-B14F-4D97-AF65-F5344CB8AC3E}">
+        <p14:creationId xmlns:p14="http://schemas.microsoft.com/office/powerpoint/2010/main" val="2492087225"/>
+      </p:ext>
+    </p:extLst>
+  </p:cSld>
+  <p:clrMapOvr>
+    <a:masterClrMapping/>
+  </p:clrMapOvr>
+</p:sld>
+</file>
+
+<file path=ppt/slides/slide4.xml><?xml version="1.0" encoding="utf-8"?>
+<p:sld xmlns:a="http://schemas.openxmlformats.org/drawingml/2006/main" xmlns:r="http://schemas.openxmlformats.org/officeDocument/2006/relationships" xmlns:p="http://schemas.openxmlformats.org/presentationml/2006/main">
+  <p:cSld>
+    <p:spTree>
+      <p:nvGrpSpPr>
+        <p:cNvPr id="1" name=""/>
+        <p:cNvGrpSpPr/>
+        <p:nvPr/>
+      </p:nvGrpSpPr>
+      <p:grpSpPr>
+        <a:xfrm>
+          <a:off x="0" y="0"/>
+          <a:ext cx="0" cy="0"/>
+          <a:chOff x="0" y="0"/>
+          <a:chExt cx="0" cy="0"/>
+        </a:xfrm>
+      </p:grpSpPr>
+      <p:sp>
+        <p:nvSpPr>
           <p:cNvPr id="3" name="Title 2">
             <a:extLst>
               <a:ext uri="{FF2B5EF4-FFF2-40B4-BE49-F238E27FC236}">
@@ -13640,7 +14314,7 @@
             <a:fld id="{B5CEABB6-07DC-46E8-9B57-56EC44A396E5}" type="slidenum">
               <a:rPr lang="en-US" smtClean="0"/>
               <a:pPr/>
-              <a:t>3</a:t>
+              <a:t>4</a:t>
             </a:fld>
             <a:endParaRPr lang="en-US" dirty="0"/>
           </a:p>
@@ -13911,7 +14585,7 @@
 </p:sld>
 </file>
 
-<file path=ppt/slides/slide4.xml><?xml version="1.0" encoding="utf-8"?>
+<file path=ppt/slides/slide5.xml><?xml version="1.0" encoding="utf-8"?>
 <p:sld xmlns:a="http://schemas.openxmlformats.org/drawingml/2006/main" xmlns:r="http://schemas.openxmlformats.org/officeDocument/2006/relationships" xmlns:p="http://schemas.openxmlformats.org/presentationml/2006/main">
   <p:cSld>
     <p:spTree>
@@ -13985,7 +14659,7 @@
             <a:fld id="{B5CEABB6-07DC-46E8-9B57-56EC44A396E5}" type="slidenum">
               <a:rPr lang="en-US" smtClean="0"/>
               <a:pPr/>
-              <a:t>4</a:t>
+              <a:t>5</a:t>
             </a:fld>
             <a:endParaRPr lang="en-US" dirty="0"/>
           </a:p>
@@ -14463,8 +15137,8 @@
           </p:pic>
         </mc:Fallback>
       </mc:AlternateContent>
-      <mc:AlternateContent xmlns:mc="http://schemas.openxmlformats.org/markup-compatibility/2006" xmlns:pslz="http://schemas.microsoft.com/office/powerpoint/2016/slidezoom">
-        <mc:Choice Requires="pslz">
+      <mc:AlternateContent xmlns:mc="http://schemas.openxmlformats.org/markup-compatibility/2006">
+        <mc:Choice xmlns:pslz="http://schemas.microsoft.com/office/powerpoint/2016/slidezoom" Requires="pslz">
           <p:graphicFrame>
             <p:nvGraphicFramePr>
               <p:cNvPr id="18" name="Slide Zoom 17">
@@ -14477,10 +15151,16 @@
               <p:cNvGraphicFramePr>
                 <a:graphicFrameLocks noChangeAspect="1"/>
               </p:cNvGraphicFramePr>
-              <p:nvPr/>
+              <p:nvPr>
+                <p:extLst>
+                  <p:ext uri="{D42A27DB-BD31-4B8C-83A1-F6EECF244321}">
+                    <p14:modId xmlns:p14="http://schemas.microsoft.com/office/powerpoint/2010/main" val="2644627904"/>
+                  </p:ext>
+                </p:extLst>
+              </p:nvPr>
             </p:nvGraphicFramePr>
             <p:xfrm>
-              <a:off x="10940553" y="1782278"/>
+              <a:off x="10849057" y="1697575"/>
               <a:ext cx="1137920" cy="640080"/>
             </p:xfrm>
             <a:graphic>
@@ -14515,7 +15195,7 @@
             </a:graphic>
           </p:graphicFrame>
         </mc:Choice>
-        <mc:Fallback xmlns="">
+        <mc:Fallback>
           <p:pic>
             <p:nvPicPr>
               <p:cNvPr id="18" name="Slide Zoom 17">
@@ -14531,14 +15211,14 @@
               <p:nvPr/>
             </p:nvPicPr>
             <p:blipFill>
-              <a:blip r:embed="rId19"/>
+              <a:blip r:embed="rId18"/>
               <a:stretch>
                 <a:fillRect/>
               </a:stretch>
             </p:blipFill>
             <p:spPr>
               <a:xfrm>
-                <a:off x="10940553" y="1782278"/>
+                <a:off x="10849057" y="1697575"/>
                 <a:ext cx="1137920" cy="640080"/>
               </a:xfrm>
               <a:prstGeom prst="rect">
@@ -14579,7 +15259,7 @@
                   <pslz:sldZmObj sldId="335" cId="3485469249">
                     <pslz:zmPr id="{5DA8DA29-3B1A-4F9B-B4B4-C4DA32233F1B}" returnToParent="0" transitionDur="1000">
                       <p166:blipFill xmlns:p166="http://schemas.microsoft.com/office/powerpoint/2016/6/main">
-                        <a:blip r:embed="rId20"/>
+                        <a:blip r:embed="rId19"/>
                         <a:stretch>
                           <a:fillRect/>
                         </a:stretch>
@@ -14643,8 +15323,8 @@
           </p:pic>
         </mc:Fallback>
       </mc:AlternateContent>
-      <mc:AlternateContent xmlns:mc="http://schemas.openxmlformats.org/markup-compatibility/2006" xmlns:pslz="http://schemas.microsoft.com/office/powerpoint/2016/slidezoom">
-        <mc:Choice Requires="pslz">
+      <mc:AlternateContent xmlns:mc="http://schemas.openxmlformats.org/markup-compatibility/2006">
+        <mc:Choice xmlns:pslz="http://schemas.microsoft.com/office/powerpoint/2016/slidezoom" Requires="pslz">
           <p:graphicFrame>
             <p:nvGraphicFramePr>
               <p:cNvPr id="22" name="Slide Zoom 21">
@@ -14657,10 +15337,16 @@
               <p:cNvGraphicFramePr>
                 <a:graphicFrameLocks noChangeAspect="1"/>
               </p:cNvGraphicFramePr>
-              <p:nvPr/>
+              <p:nvPr>
+                <p:extLst>
+                  <p:ext uri="{D42A27DB-BD31-4B8C-83A1-F6EECF244321}">
+                    <p14:modId xmlns:p14="http://schemas.microsoft.com/office/powerpoint/2010/main" val="3756331481"/>
+                  </p:ext>
+                </p:extLst>
+              </p:nvPr>
             </p:nvGraphicFramePr>
             <p:xfrm>
-              <a:off x="9711137" y="1782278"/>
+              <a:off x="9711137" y="1730062"/>
               <a:ext cx="1137920" cy="640080"/>
             </p:xfrm>
             <a:graphic>
@@ -14695,7 +15381,7 @@
             </a:graphic>
           </p:graphicFrame>
         </mc:Choice>
-        <mc:Fallback xmlns="">
+        <mc:Fallback>
           <p:pic>
             <p:nvPicPr>
               <p:cNvPr id="22" name="Slide Zoom 21">
@@ -14711,14 +15397,14 @@
               <p:nvPr/>
             </p:nvPicPr>
             <p:blipFill>
-              <a:blip r:embed="rId23"/>
+              <a:blip r:embed="rId22"/>
               <a:stretch>
                 <a:fillRect/>
               </a:stretch>
             </p:blipFill>
             <p:spPr>
               <a:xfrm>
-                <a:off x="9711137" y="1782278"/>
+                <a:off x="9711137" y="1730062"/>
                 <a:ext cx="1137920" cy="640080"/>
               </a:xfrm>
               <a:prstGeom prst="rect">
@@ -14759,7 +15445,7 @@
                   <pslz:sldZmObj sldId="337" cId="192094858">
                     <pslz:zmPr id="{B86960BD-9E9E-4FD5-A050-686A98A49BBE}" returnToParent="0" transitionDur="1000">
                       <p166:blipFill xmlns:p166="http://schemas.microsoft.com/office/powerpoint/2016/6/main">
-                        <a:blip r:embed="rId24"/>
+                        <a:blip r:embed="rId23"/>
                         <a:stretch>
                           <a:fillRect/>
                         </a:stretch>
@@ -14913,8 +15599,8 @@
           </p:pic>
         </mc:Fallback>
       </mc:AlternateContent>
-      <mc:AlternateContent xmlns:mc="http://schemas.openxmlformats.org/markup-compatibility/2006" xmlns:pslz="http://schemas.microsoft.com/office/powerpoint/2016/slidezoom">
-        <mc:Choice Requires="pslz">
+      <mc:AlternateContent xmlns:mc="http://schemas.openxmlformats.org/markup-compatibility/2006">
+        <mc:Choice xmlns:pslz="http://schemas.microsoft.com/office/powerpoint/2016/slidezoom" Requires="pslz">
           <p:graphicFrame>
             <p:nvGraphicFramePr>
               <p:cNvPr id="9" name="Slide Zoom 8">
@@ -14927,10 +15613,16 @@
               <p:cNvGraphicFramePr>
                 <a:graphicFrameLocks noChangeAspect="1"/>
               </p:cNvGraphicFramePr>
-              <p:nvPr/>
+              <p:nvPr>
+                <p:extLst>
+                  <p:ext uri="{D42A27DB-BD31-4B8C-83A1-F6EECF244321}">
+                    <p14:modId xmlns:p14="http://schemas.microsoft.com/office/powerpoint/2010/main" val="19502308"/>
+                  </p:ext>
+                </p:extLst>
+              </p:nvPr>
             </p:nvGraphicFramePr>
             <p:xfrm>
-              <a:off x="10940553" y="1110972"/>
+              <a:off x="10849057" y="1089982"/>
               <a:ext cx="1137920" cy="640080"/>
             </p:xfrm>
             <a:graphic>
@@ -14965,7 +15657,7 @@
             </a:graphic>
           </p:graphicFrame>
         </mc:Choice>
-        <mc:Fallback xmlns="">
+        <mc:Fallback>
           <p:pic>
             <p:nvPicPr>
               <p:cNvPr id="9" name="Slide Zoom 8">
@@ -14981,14 +15673,14 @@
               <p:nvPr/>
             </p:nvPicPr>
             <p:blipFill>
-              <a:blip r:embed="rId29"/>
+              <a:blip r:embed="rId28"/>
               <a:stretch>
                 <a:fillRect/>
               </a:stretch>
             </p:blipFill>
             <p:spPr>
               <a:xfrm>
-                <a:off x="10940553" y="1110972"/>
+                <a:off x="10849057" y="1089982"/>
                 <a:ext cx="1137920" cy="640080"/>
               </a:xfrm>
               <a:prstGeom prst="rect">
@@ -15016,7 +15708,7 @@
 </p:sld>
 </file>
 
-<file path=ppt/slides/slide5.xml><?xml version="1.0" encoding="utf-8"?>
+<file path=ppt/slides/slide6.xml><?xml version="1.0" encoding="utf-8"?>
 <p:sld xmlns:a="http://schemas.openxmlformats.org/drawingml/2006/main" xmlns:r="http://schemas.openxmlformats.org/officeDocument/2006/relationships" xmlns:p="http://schemas.openxmlformats.org/presentationml/2006/main">
   <p:cSld>
     <p:spTree>
@@ -15138,7 +15830,7 @@
             <a:fld id="{B5CEABB6-07DC-46E8-9B57-56EC44A396E5}" type="slidenum">
               <a:rPr lang="en-US" smtClean="0"/>
               <a:pPr/>
-              <a:t>5</a:t>
+              <a:t>6</a:t>
             </a:fld>
             <a:endParaRPr lang="en-US" dirty="0"/>
           </a:p>
@@ -15936,7 +16628,7 @@
 </p:sld>
 </file>
 
-<file path=ppt/slides/slide6.xml><?xml version="1.0" encoding="utf-8"?>
+<file path=ppt/slides/slide7.xml><?xml version="1.0" encoding="utf-8"?>
 <p:sld xmlns:a="http://schemas.openxmlformats.org/drawingml/2006/main" xmlns:r="http://schemas.openxmlformats.org/officeDocument/2006/relationships" xmlns:p="http://schemas.openxmlformats.org/presentationml/2006/main">
   <p:cSld>
     <p:spTree>
@@ -16082,7 +16774,7 @@
             <a:fld id="{B5CEABB6-07DC-46E8-9B57-56EC44A396E5}" type="slidenum">
               <a:rPr lang="en-US" smtClean="0"/>
               <a:pPr/>
-              <a:t>6</a:t>
+              <a:t>7</a:t>
             </a:fld>
             <a:endParaRPr lang="en-US" dirty="0"/>
           </a:p>
@@ -16103,14 +16795,14 @@
           <p:nvPr>
             <p:extLst>
               <p:ext uri="{D42A27DB-BD31-4B8C-83A1-F6EECF244321}">
-                <p14:modId xmlns:p14="http://schemas.microsoft.com/office/powerpoint/2010/main" val="1261704095"/>
+                <p14:modId xmlns:p14="http://schemas.microsoft.com/office/powerpoint/2010/main" val="3199422763"/>
               </p:ext>
             </p:extLst>
           </p:nvPr>
         </p:nvGraphicFramePr>
         <p:xfrm>
           <a:off x="6950105" y="1279525"/>
-          <a:ext cx="4701209" cy="5557520"/>
+          <a:ext cx="4701209" cy="5130800"/>
         </p:xfrm>
         <a:graphic>
           <a:graphicData uri="http://schemas.openxmlformats.org/drawingml/2006/table">
@@ -16428,55 +17120,6 @@
                           <a:ea typeface="+mn-ea"/>
                           <a:cs typeface="+mn-cs"/>
                         </a:rPr>
-                        <a:t>Radiation/chemo recode (combined as one code)</a:t>
-                      </a:r>
-                    </a:p>
-                  </a:txBody>
-                  <a:tcPr/>
-                </a:tc>
-                <a:tc>
-                  <a:txBody>
-                    <a:bodyPr/>
-                    <a:lstStyle/>
-                    <a:p>
-                      <a:r>
-                        <a:rPr lang="en-US" sz="1100" b="1" i="0" kern="1200" dirty="0">
-                          <a:solidFill>
-                            <a:schemeClr val="dk1"/>
-                          </a:solidFill>
-                          <a:effectLst/>
-                          <a:latin typeface="+mn-lt"/>
-                          <a:ea typeface="+mn-ea"/>
-                          <a:cs typeface="+mn-cs"/>
-                        </a:rPr>
-                        <a:t>Label</a:t>
-                      </a:r>
-                    </a:p>
-                  </a:txBody>
-                  <a:tcPr/>
-                </a:tc>
-                <a:extLst>
-                  <a:ext uri="{0D108BD9-81ED-4DB2-BD59-A6C34878D82A}">
-                    <a16:rowId xmlns:a16="http://schemas.microsoft.com/office/drawing/2014/main" val="2384335108"/>
-                  </a:ext>
-                </a:extLst>
-              </a:tr>
-              <a:tr h="370840">
-                <a:tc>
-                  <a:txBody>
-                    <a:bodyPr/>
-                    <a:lstStyle/>
-                    <a:p>
-                      <a:r>
-                        <a:rPr lang="en-US" sz="1100" b="1" i="0" kern="1200" dirty="0">
-                          <a:solidFill>
-                            <a:schemeClr val="dk1"/>
-                          </a:solidFill>
-                          <a:effectLst/>
-                          <a:latin typeface="+mn-lt"/>
-                          <a:ea typeface="+mn-ea"/>
-                          <a:cs typeface="+mn-cs"/>
-                        </a:rPr>
                         <a:t>Year of diagnosis</a:t>
                       </a:r>
                     </a:p>
@@ -16498,7 +17141,7 @@
                           <a:ea typeface="+mn-ea"/>
                           <a:cs typeface="+mn-cs"/>
                         </a:rPr>
-                        <a:t>Grade</a:t>
+                        <a:t>Primary Label</a:t>
                       </a:r>
                     </a:p>
                   </a:txBody>
@@ -16506,7 +17149,7 @@
                 </a:tc>
                 <a:extLst>
                   <a:ext uri="{0D108BD9-81ED-4DB2-BD59-A6C34878D82A}">
-                    <a16:rowId xmlns:a16="http://schemas.microsoft.com/office/drawing/2014/main" val="3738532473"/>
+                    <a16:rowId xmlns:a16="http://schemas.microsoft.com/office/drawing/2014/main" val="2384335108"/>
                   </a:ext>
                 </a:extLst>
               </a:tr>
@@ -16547,7 +17190,53 @@
                           <a:ea typeface="+mn-ea"/>
                           <a:cs typeface="+mn-cs"/>
                         </a:rPr>
-                        <a:t>Type of tumor</a:t>
+                        <a:t>Grade</a:t>
+                      </a:r>
+                    </a:p>
+                  </a:txBody>
+                  <a:tcPr/>
+                </a:tc>
+                <a:extLst>
+                  <a:ext uri="{0D108BD9-81ED-4DB2-BD59-A6C34878D82A}">
+                    <a16:rowId xmlns:a16="http://schemas.microsoft.com/office/drawing/2014/main" val="3738532473"/>
+                  </a:ext>
+                </a:extLst>
+              </a:tr>
+              <a:tr h="370840">
+                <a:tc>
+                  <a:txBody>
+                    <a:bodyPr/>
+                    <a:lstStyle/>
+                    <a:p>
+                      <a:endParaRPr lang="en-US" sz="1100" b="1" i="0" kern="1200" dirty="0">
+                        <a:solidFill>
+                          <a:schemeClr val="dk1"/>
+                        </a:solidFill>
+                        <a:effectLst/>
+                        <a:latin typeface="+mn-lt"/>
+                        <a:ea typeface="+mn-ea"/>
+                        <a:cs typeface="+mn-cs"/>
+                      </a:endParaRPr>
+                    </a:p>
+                  </a:txBody>
+                  <a:tcPr/>
+                </a:tc>
+                <a:tc>
+                  <a:txBody>
+                    <a:bodyPr/>
+                    <a:lstStyle/>
+                    <a:p>
+                      <a:r>
+                        <a:rPr lang="en-US" sz="1100" b="1" i="0" kern="1200" dirty="0">
+                          <a:solidFill>
+                            <a:schemeClr val="dk1"/>
+                          </a:solidFill>
+                          <a:effectLst/>
+                          <a:latin typeface="+mn-lt"/>
+                          <a:ea typeface="+mn-ea"/>
+                          <a:cs typeface="+mn-cs"/>
+                        </a:rPr>
+                        <a:t>Treatment (Radiation/Surgery/Chemo)</a:t>
                       </a:r>
                     </a:p>
                   </a:txBody>
@@ -16585,7 +17274,7 @@
                           <a:ea typeface="+mn-ea"/>
                           <a:cs typeface="+mn-cs"/>
                         </a:rPr>
-                        <a:t>Treatment (Radiation/Surgery/Chemo)</a:t>
+                        <a:t>Income</a:t>
                       </a:r>
                     </a:p>
                   </a:txBody>
@@ -16623,7 +17312,7 @@
                           <a:ea typeface="+mn-ea"/>
                           <a:cs typeface="+mn-cs"/>
                         </a:rPr>
-                        <a:t>Income</a:t>
+                        <a:t>Marital Status</a:t>
                       </a:r>
                     </a:p>
                   </a:txBody>
@@ -16635,50 +17324,12 @@
                   </a:ext>
                 </a:extLst>
               </a:tr>
-              <a:tr h="370840">
-                <a:tc>
-                  <a:txBody>
-                    <a:bodyPr/>
-                    <a:lstStyle/>
-                    <a:p>
-                      <a:endParaRPr lang="en-US" sz="1100" dirty="0"/>
-                    </a:p>
-                  </a:txBody>
-                  <a:tcPr/>
-                </a:tc>
-                <a:tc>
-                  <a:txBody>
-                    <a:bodyPr/>
-                    <a:lstStyle/>
-                    <a:p>
-                      <a:r>
-                        <a:rPr lang="en-US" sz="1100" b="1" i="0" kern="1200" dirty="0">
-                          <a:solidFill>
-                            <a:schemeClr val="dk1"/>
-                          </a:solidFill>
-                          <a:effectLst/>
-                          <a:latin typeface="+mn-lt"/>
-                          <a:ea typeface="+mn-ea"/>
-                          <a:cs typeface="+mn-cs"/>
-                        </a:rPr>
-                        <a:t>Marital Status</a:t>
-                      </a:r>
-                    </a:p>
-                  </a:txBody>
-                  <a:tcPr/>
-                </a:tc>
-                <a:extLst>
-                  <a:ext uri="{0D108BD9-81ED-4DB2-BD59-A6C34878D82A}">
-                    <a16:rowId xmlns:a16="http://schemas.microsoft.com/office/drawing/2014/main" val="1313449055"/>
-                  </a:ext>
-                </a:extLst>
-              </a:tr>
             </a:tbl>
           </a:graphicData>
         </a:graphic>
       </p:graphicFrame>
-      <mc:AlternateContent xmlns:mc="http://schemas.openxmlformats.org/markup-compatibility/2006">
-        <mc:Choice xmlns:pslz="http://schemas.microsoft.com/office/powerpoint/2016/slidezoom" Requires="pslz">
+      <mc:AlternateContent xmlns:mc="http://schemas.openxmlformats.org/markup-compatibility/2006" xmlns:pslz="http://schemas.microsoft.com/office/powerpoint/2016/slidezoom">
+        <mc:Choice Requires="pslz">
           <p:graphicFrame>
             <p:nvGraphicFramePr>
               <p:cNvPr id="8" name="Slide Zoom 7">
@@ -16735,7 +17386,7 @@
             </a:graphic>
           </p:graphicFrame>
         </mc:Choice>
-        <mc:Fallback>
+        <mc:Fallback xmlns="">
           <p:pic>
             <p:nvPicPr>
               <p:cNvPr id="8" name="Slide Zoom 7">
@@ -16751,7 +17402,7 @@
               <p:nvPr/>
             </p:nvPicPr>
             <p:blipFill>
-              <a:blip r:embed="rId3"/>
+              <a:blip r:embed="rId4"/>
               <a:stretch>
                 <a:fillRect/>
               </a:stretch>
@@ -16786,7 +17437,7 @@
 </p:sld>
 </file>
 
-<file path=ppt/slides/slide7.xml><?xml version="1.0" encoding="utf-8"?>
+<file path=ppt/slides/slide8.xml><?xml version="1.0" encoding="utf-8"?>
 <p:sld xmlns:a="http://schemas.openxmlformats.org/drawingml/2006/main" xmlns:r="http://schemas.openxmlformats.org/officeDocument/2006/relationships" xmlns:p="http://schemas.openxmlformats.org/presentationml/2006/main">
   <p:cSld>
     <p:spTree>
@@ -16926,7 +17577,7 @@
             <a:fld id="{B5CEABB6-07DC-46E8-9B57-56EC44A396E5}" type="slidenum">
               <a:rPr lang="en-US" smtClean="0"/>
               <a:pPr/>
-              <a:t>7</a:t>
+              <a:t>8</a:t>
             </a:fld>
             <a:endParaRPr lang="en-US" dirty="0"/>
           </a:p>
@@ -16947,14 +17598,14 @@
           <p:nvPr>
             <p:extLst>
               <p:ext uri="{D42A27DB-BD31-4B8C-83A1-F6EECF244321}">
-                <p14:modId xmlns:p14="http://schemas.microsoft.com/office/powerpoint/2010/main" val="581005001"/>
+                <p14:modId xmlns:p14="http://schemas.microsoft.com/office/powerpoint/2010/main" val="3281207403"/>
               </p:ext>
             </p:extLst>
           </p:nvPr>
         </p:nvGraphicFramePr>
         <p:xfrm>
           <a:off x="6950105" y="1279525"/>
-          <a:ext cx="4701209" cy="1112520"/>
+          <a:ext cx="4701209" cy="1483360"/>
         </p:xfrm>
         <a:graphic>
           <a:graphicData uri="http://schemas.openxmlformats.org/drawingml/2006/table">
@@ -17077,6 +17728,39 @@
                   </a:ext>
                 </a:extLst>
               </a:tr>
+              <a:tr h="370840">
+                <a:tc>
+                  <a:txBody>
+                    <a:bodyPr/>
+                    <a:lstStyle/>
+                    <a:p>
+                      <a:r>
+                        <a:rPr lang="en-US" dirty="0"/>
+                        <a:t>Deep Neural Network</a:t>
+                      </a:r>
+                    </a:p>
+                  </a:txBody>
+                  <a:tcPr/>
+                </a:tc>
+                <a:tc>
+                  <a:txBody>
+                    <a:bodyPr/>
+                    <a:lstStyle/>
+                    <a:p>
+                      <a:r>
+                        <a:rPr lang="en-US" dirty="0"/>
+                        <a:t>94%</a:t>
+                      </a:r>
+                    </a:p>
+                  </a:txBody>
+                  <a:tcPr/>
+                </a:tc>
+                <a:extLst>
+                  <a:ext uri="{0D108BD9-81ED-4DB2-BD59-A6C34878D82A}">
+                    <a16:rowId xmlns:a16="http://schemas.microsoft.com/office/drawing/2014/main" val="3226139903"/>
+                  </a:ext>
+                </a:extLst>
+              </a:tr>
             </a:tbl>
           </a:graphicData>
         </a:graphic>
@@ -17098,13 +17782,13 @@
               <p:nvPr>
                 <p:extLst>
                   <p:ext uri="{D42A27DB-BD31-4B8C-83A1-F6EECF244321}">
-                    <p14:modId xmlns:p14="http://schemas.microsoft.com/office/powerpoint/2010/main" val="3933103123"/>
+                    <p14:modId xmlns:p14="http://schemas.microsoft.com/office/powerpoint/2010/main" val="3210071573"/>
                   </p:ext>
                 </p:extLst>
               </p:nvPr>
             </p:nvGraphicFramePr>
             <p:xfrm>
-              <a:off x="7226710" y="2751456"/>
+              <a:off x="7226710" y="2974749"/>
               <a:ext cx="3048000" cy="1714500"/>
             </p:xfrm>
             <a:graphic>
@@ -17162,7 +17846,7 @@
             </p:blipFill>
             <p:spPr>
               <a:xfrm>
-                <a:off x="7226710" y="2751456"/>
+                <a:off x="7226710" y="2974749"/>
                 <a:ext cx="3048000" cy="1714500"/>
               </a:xfrm>
               <a:prstGeom prst="rect">
@@ -17194,13 +17878,13 @@
               <p:nvPr>
                 <p:extLst>
                   <p:ext uri="{D42A27DB-BD31-4B8C-83A1-F6EECF244321}">
-                    <p14:modId xmlns:p14="http://schemas.microsoft.com/office/powerpoint/2010/main" val="3951564862"/>
+                    <p14:modId xmlns:p14="http://schemas.microsoft.com/office/powerpoint/2010/main" val="3012133329"/>
                   </p:ext>
                 </p:extLst>
               </p:nvPr>
             </p:nvGraphicFramePr>
             <p:xfrm>
-              <a:off x="7226710" y="4679861"/>
+              <a:off x="7226710" y="4903154"/>
               <a:ext cx="3048000" cy="1714500"/>
             </p:xfrm>
             <a:graphic>
@@ -17258,7 +17942,103 @@
             </p:blipFill>
             <p:spPr>
               <a:xfrm>
-                <a:off x="7226710" y="4679861"/>
+                <a:off x="7226710" y="4903154"/>
+                <a:ext cx="3048000" cy="1714500"/>
+              </a:xfrm>
+              <a:prstGeom prst="rect">
+                <a:avLst/>
+              </a:prstGeom>
+              <a:ln w="3175">
+                <a:solidFill>
+                  <a:prstClr val="ltGray"/>
+                </a:solidFill>
+              </a:ln>
+            </p:spPr>
+          </p:pic>
+        </mc:Fallback>
+      </mc:AlternateContent>
+      <mc:AlternateContent xmlns:mc="http://schemas.openxmlformats.org/markup-compatibility/2006">
+        <mc:Choice xmlns:pslz="http://schemas.microsoft.com/office/powerpoint/2016/slidezoom" Requires="pslz">
+          <p:graphicFrame>
+            <p:nvGraphicFramePr>
+              <p:cNvPr id="8" name="Slide Zoom 7">
+                <a:extLst>
+                  <a:ext uri="{FF2B5EF4-FFF2-40B4-BE49-F238E27FC236}">
+                    <a16:creationId xmlns:a16="http://schemas.microsoft.com/office/drawing/2014/main" id="{21C72653-D4DB-A62C-9EBF-61B9956FE531}"/>
+                  </a:ext>
+                </a:extLst>
+              </p:cNvPr>
+              <p:cNvGraphicFramePr>
+                <a:graphicFrameLocks noChangeAspect="1"/>
+              </p:cNvGraphicFramePr>
+              <p:nvPr>
+                <p:extLst>
+                  <p:ext uri="{D42A27DB-BD31-4B8C-83A1-F6EECF244321}">
+                    <p14:modId xmlns:p14="http://schemas.microsoft.com/office/powerpoint/2010/main" val="1677481994"/>
+                  </p:ext>
+                </p:extLst>
+              </p:nvPr>
+            </p:nvGraphicFramePr>
+            <p:xfrm>
+              <a:off x="3902105" y="4903154"/>
+              <a:ext cx="3048000" cy="1714500"/>
+            </p:xfrm>
+            <a:graphic>
+              <a:graphicData uri="http://schemas.microsoft.com/office/powerpoint/2016/slidezoom">
+                <pslz:sldZm>
+                  <pslz:sldZmObj sldId="347" cId="1360772362">
+                    <pslz:zmPr id="{CF305269-865B-4BBD-87B1-02ECC26147C9}" returnToParent="0" transitionDur="1000">
+                      <p166:blipFill xmlns:p166="http://schemas.microsoft.com/office/powerpoint/2016/6/main">
+                        <a:blip r:embed="rId5"/>
+                        <a:stretch>
+                          <a:fillRect/>
+                        </a:stretch>
+                      </p166:blipFill>
+                      <p166:spPr xmlns:p166="http://schemas.microsoft.com/office/powerpoint/2016/6/main">
+                        <a:xfrm>
+                          <a:off x="0" y="0"/>
+                          <a:ext cx="3048000" cy="1714500"/>
+                        </a:xfrm>
+                        <a:prstGeom prst="rect">
+                          <a:avLst/>
+                        </a:prstGeom>
+                        <a:ln w="3175">
+                          <a:solidFill>
+                            <a:prstClr val="ltGray"/>
+                          </a:solidFill>
+                        </a:ln>
+                      </p166:spPr>
+                    </pslz:zmPr>
+                  </pslz:sldZmObj>
+                </pslz:sldZm>
+              </a:graphicData>
+            </a:graphic>
+          </p:graphicFrame>
+        </mc:Choice>
+        <mc:Fallback>
+          <p:pic>
+            <p:nvPicPr>
+              <p:cNvPr id="8" name="Slide Zoom 7">
+                <a:extLst>
+                  <a:ext uri="{FF2B5EF4-FFF2-40B4-BE49-F238E27FC236}">
+                    <a16:creationId xmlns:a16="http://schemas.microsoft.com/office/drawing/2014/main" id="{21C72653-D4DB-A62C-9EBF-61B9956FE531}"/>
+                  </a:ext>
+                </a:extLst>
+              </p:cNvPr>
+              <p:cNvPicPr>
+                <a:picLocks noGrp="1" noRot="1" noChangeAspect="1" noMove="1" noResize="1" noEditPoints="1" noAdjustHandles="1" noChangeArrowheads="1" noChangeShapeType="1"/>
+              </p:cNvPicPr>
+              <p:nvPr/>
+            </p:nvPicPr>
+            <p:blipFill>
+              <a:blip r:embed="rId5"/>
+              <a:stretch>
+                <a:fillRect/>
+              </a:stretch>
+            </p:blipFill>
+            <p:spPr>
+              <a:xfrm>
+                <a:off x="3902105" y="4903154"/>
                 <a:ext cx="3048000" cy="1714500"/>
               </a:xfrm>
               <a:prstGeom prst="rect">
@@ -17277,174 +18057,6 @@
     <p:extLst>
       <p:ext uri="{BB962C8B-B14F-4D97-AF65-F5344CB8AC3E}">
         <p14:creationId xmlns:p14="http://schemas.microsoft.com/office/powerpoint/2010/main" val="569699605"/>
-      </p:ext>
-    </p:extLst>
-  </p:cSld>
-  <p:clrMapOvr>
-    <a:masterClrMapping/>
-  </p:clrMapOvr>
-</p:sld>
-</file>
-
-<file path=ppt/slides/slide8.xml><?xml version="1.0" encoding="utf-8"?>
-<p:sld xmlns:a="http://schemas.openxmlformats.org/drawingml/2006/main" xmlns:r="http://schemas.openxmlformats.org/officeDocument/2006/relationships" xmlns:p="http://schemas.openxmlformats.org/presentationml/2006/main">
-  <p:cSld>
-    <p:spTree>
-      <p:nvGrpSpPr>
-        <p:cNvPr id="1" name=""/>
-        <p:cNvGrpSpPr/>
-        <p:nvPr/>
-      </p:nvGrpSpPr>
-      <p:grpSpPr>
-        <a:xfrm>
-          <a:off x="0" y="0"/>
-          <a:ext cx="0" cy="0"/>
-          <a:chOff x="0" y="0"/>
-          <a:chExt cx="0" cy="0"/>
-        </a:xfrm>
-      </p:grpSpPr>
-      <p:sp>
-        <p:nvSpPr>
-          <p:cNvPr id="2" name="Title 1">
-            <a:extLst>
-              <a:ext uri="{FF2B5EF4-FFF2-40B4-BE49-F238E27FC236}">
-                <a16:creationId xmlns:a16="http://schemas.microsoft.com/office/drawing/2014/main" id="{958ECED9-3D31-C7EF-C4E5-0D218F611807}"/>
-              </a:ext>
-            </a:extLst>
-          </p:cNvPr>
-          <p:cNvSpPr>
-            <a:spLocks noGrp="1"/>
-          </p:cNvSpPr>
-          <p:nvPr>
-            <p:ph type="title"/>
-          </p:nvPr>
-        </p:nvSpPr>
-        <p:spPr>
-          <a:xfrm>
-            <a:off x="923545" y="584477"/>
-            <a:ext cx="10354052" cy="914400"/>
-          </a:xfrm>
-        </p:spPr>
-        <p:txBody>
-          <a:bodyPr/>
-          <a:lstStyle/>
-          <a:p>
-            <a:r>
-              <a:rPr lang="en-US" dirty="0"/>
-              <a:t>Conclusion</a:t>
-            </a:r>
-          </a:p>
-        </p:txBody>
-      </p:sp>
-      <p:sp>
-        <p:nvSpPr>
-          <p:cNvPr id="4" name="Slide Number Placeholder 3">
-            <a:extLst>
-              <a:ext uri="{FF2B5EF4-FFF2-40B4-BE49-F238E27FC236}">
-                <a16:creationId xmlns:a16="http://schemas.microsoft.com/office/drawing/2014/main" id="{BFE50FF3-CE3C-DDFB-B8EA-5BA1668A1068}"/>
-              </a:ext>
-            </a:extLst>
-          </p:cNvPr>
-          <p:cNvSpPr>
-            <a:spLocks noGrp="1"/>
-          </p:cNvSpPr>
-          <p:nvPr>
-            <p:ph type="sldNum" sz="quarter" idx="4"/>
-          </p:nvPr>
-        </p:nvSpPr>
-        <p:spPr>
-          <a:xfrm>
-            <a:off x="914400" y="6246254"/>
-            <a:ext cx="631065" cy="296214"/>
-          </a:xfrm>
-        </p:spPr>
-        <p:txBody>
-          <a:bodyPr/>
-          <a:lstStyle/>
-          <a:p>
-            <a:fld id="{B5CEABB6-07DC-46E8-9B57-56EC44A396E5}" type="slidenum">
-              <a:rPr lang="en-US" smtClean="0"/>
-              <a:pPr/>
-              <a:t>8</a:t>
-            </a:fld>
-            <a:endParaRPr lang="en-US" dirty="0"/>
-          </a:p>
-        </p:txBody>
-      </p:sp>
-      <p:sp>
-        <p:nvSpPr>
-          <p:cNvPr id="6" name="Table Placeholder 5">
-            <a:extLst>
-              <a:ext uri="{FF2B5EF4-FFF2-40B4-BE49-F238E27FC236}">
-                <a16:creationId xmlns:a16="http://schemas.microsoft.com/office/drawing/2014/main" id="{FB187A1B-26F8-07AE-4C75-B693BE2BDD50}"/>
-              </a:ext>
-            </a:extLst>
-          </p:cNvPr>
-          <p:cNvSpPr>
-            <a:spLocks noGrp="1"/>
-          </p:cNvSpPr>
-          <p:nvPr>
-            <p:ph type="tbl" sz="quarter" idx="10"/>
-          </p:nvPr>
-        </p:nvSpPr>
-        <p:spPr>
-          <a:xfrm>
-            <a:off x="923544" y="2009775"/>
-            <a:ext cx="10715177" cy="3931920"/>
-          </a:xfrm>
-        </p:spPr>
-        <p:txBody>
-          <a:bodyPr>
-            <a:normAutofit/>
-          </a:bodyPr>
-          <a:lstStyle/>
-          <a:p>
-            <a:r>
-              <a:rPr lang="en-US" dirty="0"/>
-              <a:t>A combined categorical and numerical data collected by SEER can be used for survival prediction of breast cancer with acceptable accuracy of 94%.</a:t>
-            </a:r>
-          </a:p>
-          <a:p>
-            <a:r>
-              <a:rPr lang="en-US" dirty="0"/>
-              <a:t>Random Forest Simplicity: </a:t>
-            </a:r>
-            <a:r>
-              <a:rPr lang="en-US" dirty="0" err="1"/>
-              <a:t>Opt</a:t>
-            </a:r>
-            <a:r>
-              <a:rPr lang="en-US" dirty="0"/>
-              <a:t> for user-friendly models like Random Forest.</a:t>
-            </a:r>
-          </a:p>
-          <a:p>
-            <a:r>
-              <a:rPr lang="en-US" dirty="0"/>
-              <a:t>Logistic regression is a powerful and reliable tool for a quick and relatively accurate survival rate estimate </a:t>
-            </a:r>
-          </a:p>
-          <a:p>
-            <a:r>
-              <a:rPr lang="en-US" dirty="0"/>
-              <a:t>Correlation analyses of the large database including categorical data is challenging </a:t>
-            </a:r>
-          </a:p>
-          <a:p>
-            <a:r>
-              <a:rPr lang="en-US" dirty="0"/>
-              <a:t>For this sort of problem Neural Network did not offer a better result than random Forrest. </a:t>
-            </a:r>
-          </a:p>
-          <a:p>
-            <a:endParaRPr lang="en-US" dirty="0"/>
-          </a:p>
-        </p:txBody>
-      </p:sp>
-    </p:spTree>
-    <p:extLst>
-      <p:ext uri="{BB962C8B-B14F-4D97-AF65-F5344CB8AC3E}">
-        <p14:creationId xmlns:p14="http://schemas.microsoft.com/office/powerpoint/2010/main" val="2323500703"/>
       </p:ext>
     </p:extLst>
   </p:cSld>
@@ -17476,7 +18088,7 @@
           <p:cNvPr id="2" name="Title 1">
             <a:extLst>
               <a:ext uri="{FF2B5EF4-FFF2-40B4-BE49-F238E27FC236}">
-                <a16:creationId xmlns:a16="http://schemas.microsoft.com/office/drawing/2014/main" id="{ED49F143-1777-AA8C-19C4-DA62C6E52D97}"/>
+                <a16:creationId xmlns:a16="http://schemas.microsoft.com/office/drawing/2014/main" id="{958ECED9-3D31-C7EF-C4E5-0D218F611807}"/>
               </a:ext>
             </a:extLst>
           </p:cNvPr>
@@ -17487,26 +18099,64 @@
             <p:ph type="title"/>
           </p:nvPr>
         </p:nvSpPr>
-        <p:spPr/>
+        <p:spPr>
+          <a:xfrm>
+            <a:off x="923545" y="584477"/>
+            <a:ext cx="10354052" cy="914400"/>
+          </a:xfrm>
+        </p:spPr>
         <p:txBody>
-          <a:bodyPr>
-            <a:normAutofit/>
-          </a:bodyPr>
+          <a:bodyPr/>
           <a:lstStyle/>
           <a:p>
             <a:r>
               <a:rPr lang="en-US" dirty="0"/>
-              <a:t>References:</a:t>
+              <a:t>Conclusion</a:t>
             </a:r>
           </a:p>
         </p:txBody>
       </p:sp>
       <p:sp>
         <p:nvSpPr>
-          <p:cNvPr id="3" name="Table Placeholder 2">
+          <p:cNvPr id="4" name="Slide Number Placeholder 3">
             <a:extLst>
               <a:ext uri="{FF2B5EF4-FFF2-40B4-BE49-F238E27FC236}">
-                <a16:creationId xmlns:a16="http://schemas.microsoft.com/office/drawing/2014/main" id="{1531483E-5FE6-9C63-155B-FCF76226F71B}"/>
+                <a16:creationId xmlns:a16="http://schemas.microsoft.com/office/drawing/2014/main" id="{BFE50FF3-CE3C-DDFB-B8EA-5BA1668A1068}"/>
+              </a:ext>
+            </a:extLst>
+          </p:cNvPr>
+          <p:cNvSpPr>
+            <a:spLocks noGrp="1"/>
+          </p:cNvSpPr>
+          <p:nvPr>
+            <p:ph type="sldNum" sz="quarter" idx="4"/>
+          </p:nvPr>
+        </p:nvSpPr>
+        <p:spPr>
+          <a:xfrm>
+            <a:off x="914400" y="6246254"/>
+            <a:ext cx="631065" cy="296214"/>
+          </a:xfrm>
+        </p:spPr>
+        <p:txBody>
+          <a:bodyPr/>
+          <a:lstStyle/>
+          <a:p>
+            <a:fld id="{B5CEABB6-07DC-46E8-9B57-56EC44A396E5}" type="slidenum">
+              <a:rPr lang="en-US" smtClean="0"/>
+              <a:pPr/>
+              <a:t>9</a:t>
+            </a:fld>
+            <a:endParaRPr lang="en-US" dirty="0"/>
+          </a:p>
+        </p:txBody>
+      </p:sp>
+      <p:sp>
+        <p:nvSpPr>
+          <p:cNvPr id="6" name="Table Placeholder 5">
+            <a:extLst>
+              <a:ext uri="{FF2B5EF4-FFF2-40B4-BE49-F238E27FC236}">
+                <a16:creationId xmlns:a16="http://schemas.microsoft.com/office/drawing/2014/main" id="{FB187A1B-26F8-07AE-4C75-B693BE2BDD50}"/>
               </a:ext>
             </a:extLst>
           </p:cNvPr>
@@ -17517,193 +18167,56 @@
             <p:ph type="tbl" sz="quarter" idx="10"/>
           </p:nvPr>
         </p:nvSpPr>
-        <p:spPr/>
+        <p:spPr>
+          <a:xfrm>
+            <a:off x="923544" y="2009775"/>
+            <a:ext cx="10715177" cy="3931920"/>
+          </a:xfrm>
+        </p:spPr>
         <p:txBody>
           <a:bodyPr>
-            <a:normAutofit fontScale="92500" lnSpcReduction="10000"/>
+            <a:normAutofit/>
           </a:bodyPr>
           <a:lstStyle/>
           <a:p>
             <a:r>
               <a:rPr lang="en-US" dirty="0"/>
-              <a:t>[1] SEER (</a:t>
-            </a:r>
-            <a:r>
-              <a:rPr lang="en-US" dirty="0">
-                <a:hlinkClick r:id="rId2"/>
-              </a:rPr>
-              <a:t>https://seer.cancer.gov/data/access.html</a:t>
-            </a:r>
+              <a:t>A combined categorical and numerical data collected by SEER can be used for survival prediction of breast cancer with acceptable accuracy of 94%.</a:t>
+            </a:r>
+          </a:p>
+          <a:p>
             <a:r>
               <a:rPr lang="en-US" dirty="0"/>
-              <a:t>)</a:t>
-            </a:r>
-          </a:p>
-          <a:p>
+              <a:t>Random Forest Simplicity: </a:t>
+            </a:r>
+            <a:r>
+              <a:rPr lang="en-US" dirty="0" err="1"/>
+              <a:t>Opt</a:t>
+            </a:r>
             <a:r>
               <a:rPr lang="en-US" dirty="0"/>
-              <a:t>[2] </a:t>
-            </a:r>
-            <a:r>
-              <a:rPr lang="en-US" dirty="0" err="1">
-                <a:hlinkClick r:id="rId3"/>
-              </a:rPr>
-              <a:t>zgalochkina</a:t>
-            </a:r>
-            <a:r>
-              <a:rPr lang="en-US" dirty="0">
-                <a:hlinkClick r:id="rId3"/>
-              </a:rPr>
-              <a:t>/</a:t>
-            </a:r>
-            <a:r>
-              <a:rPr lang="en-US" dirty="0" err="1">
-                <a:hlinkClick r:id="rId3"/>
-              </a:rPr>
-              <a:t>SEER_solid_tumor</a:t>
-            </a:r>
-            <a:r>
-              <a:rPr lang="en-US" dirty="0">
-                <a:hlinkClick r:id="rId3"/>
-              </a:rPr>
-              <a:t>: R code for SEER data analysis of solid tumor in different populations (github.com)</a:t>
-            </a:r>
-            <a:endParaRPr lang="en-US" dirty="0"/>
+              <a:t> for user-friendly models like Random Forest.</a:t>
+            </a:r>
           </a:p>
           <a:p>
             <a:r>
               <a:rPr lang="en-US" dirty="0"/>
-              <a:t>[3] </a:t>
-            </a:r>
-            <a:r>
-              <a:rPr lang="en-US" dirty="0">
-                <a:hlinkClick r:id="rId4"/>
-              </a:rPr>
-              <a:t>XAI_Healthcare_eXplainable_AI_in_Healthcare.pdf (upc.edu)</a:t>
-            </a:r>
-            <a:endParaRPr lang="en-US" dirty="0"/>
+              <a:t>Logistic regression is a powerful and reliable tool for a quick and relatively accurate survival rate estimate.</a:t>
+            </a:r>
           </a:p>
           <a:p>
             <a:r>
               <a:rPr lang="en-US" dirty="0"/>
-              <a:t>[4] </a:t>
-            </a:r>
-            <a:r>
-              <a:rPr lang="en-US" dirty="0" err="1"/>
-              <a:t>Pargen</a:t>
-            </a:r>
+              <a:t>Correlation analyses of the large database including categorical data is challenging.</a:t>
+            </a:r>
+          </a:p>
+          <a:p>
             <a:r>
               <a:rPr lang="en-US" dirty="0"/>
-              <a:t>, F., </a:t>
-            </a:r>
-            <a:r>
-              <a:rPr lang="en-US" dirty="0" err="1"/>
-              <a:t>Pfisterer</a:t>
-            </a:r>
-            <a:r>
-              <a:rPr lang="en-US" dirty="0"/>
-              <a:t>, F., Thomas, J., </a:t>
-            </a:r>
-            <a:r>
-              <a:rPr lang="en-US" dirty="0" err="1"/>
-              <a:t>Bischl</a:t>
-            </a:r>
-            <a:r>
-              <a:rPr lang="en-US" dirty="0"/>
-              <a:t>, B.: Regularized target encoding out performs traditional methods in supervised machine learning with high cardinality features. Computational Statistics 37(5), 2671–2692 (Nov 2022)</a:t>
-            </a:r>
-          </a:p>
-          <a:p>
-            <a:r>
-              <a:rPr lang="en-US" dirty="0"/>
-              <a:t>[5] American Cancer Society - Breast Cancer Survival Rates</a:t>
-            </a:r>
-          </a:p>
-          <a:p>
-            <a:r>
-              <a:rPr lang="en-US" dirty="0"/>
-              <a:t>GitHub: </a:t>
-            </a:r>
-            <a:r>
-              <a:rPr lang="en-US" dirty="0" err="1">
-                <a:hlinkClick r:id="rId5"/>
-              </a:rPr>
-              <a:t>koohpi</a:t>
-            </a:r>
-            <a:r>
-              <a:rPr lang="en-US" dirty="0">
-                <a:hlinkClick r:id="rId5"/>
-              </a:rPr>
-              <a:t>/</a:t>
-            </a:r>
-            <a:r>
-              <a:rPr lang="en-US" dirty="0" err="1">
-                <a:hlinkClick r:id="rId5"/>
-              </a:rPr>
-              <a:t>Breast_Cancer_Survival_Project</a:t>
-            </a:r>
-            <a:r>
-              <a:rPr lang="en-US" dirty="0">
-                <a:hlinkClick r:id="rId5"/>
-              </a:rPr>
-              <a:t>: A non-scientific project for breast cancer survival rate estimate in women based on SEER DB (github.com)</a:t>
-            </a:r>
-            <a:endParaRPr lang="en-US" dirty="0"/>
-          </a:p>
-          <a:p>
-            <a:r>
-              <a:rPr lang="en-US" dirty="0" err="1"/>
-              <a:t>Rpub</a:t>
-            </a:r>
-            <a:r>
-              <a:rPr lang="en-US" dirty="0"/>
-              <a:t>: </a:t>
-            </a:r>
-            <a:r>
-              <a:rPr lang="en-US" dirty="0" err="1">
-                <a:hlinkClick r:id="rId6"/>
-              </a:rPr>
-              <a:t>RPubs</a:t>
-            </a:r>
-            <a:r>
-              <a:rPr lang="en-US" dirty="0">
-                <a:hlinkClick r:id="rId6"/>
-              </a:rPr>
-              <a:t> - Breast Cancer Survival Rate With SEER</a:t>
-            </a:r>
-            <a:endParaRPr lang="en-US" dirty="0"/>
-          </a:p>
-          <a:p>
-            <a:endParaRPr lang="en-US" dirty="0"/>
-          </a:p>
-        </p:txBody>
-      </p:sp>
-      <p:sp>
-        <p:nvSpPr>
-          <p:cNvPr id="4" name="Slide Number Placeholder 3">
-            <a:extLst>
-              <a:ext uri="{FF2B5EF4-FFF2-40B4-BE49-F238E27FC236}">
-                <a16:creationId xmlns:a16="http://schemas.microsoft.com/office/drawing/2014/main" id="{B620536F-7A61-734B-2635-97A1FAFF2AE2}"/>
-              </a:ext>
-            </a:extLst>
-          </p:cNvPr>
-          <p:cNvSpPr>
-            <a:spLocks noGrp="1"/>
-          </p:cNvSpPr>
-          <p:nvPr>
-            <p:ph type="sldNum" sz="quarter" idx="4"/>
-          </p:nvPr>
-        </p:nvSpPr>
-        <p:spPr/>
-        <p:txBody>
-          <a:bodyPr/>
-          <a:lstStyle/>
-          <a:p>
-            <a:fld id="{B5CEABB6-07DC-46E8-9B57-56EC44A396E5}" type="slidenum">
-              <a:rPr lang="en-US" smtClean="0"/>
-              <a:pPr/>
-              <a:t>9</a:t>
-            </a:fld>
+              <a:t>For this sort of problem Neural Network did not offer a better result than random Forrest. </a:t>
+            </a:r>
+          </a:p>
+          <a:p>
             <a:endParaRPr lang="en-US" dirty="0"/>
           </a:p>
         </p:txBody>
@@ -17711,7 +18224,7 @@
     </p:spTree>
     <p:extLst>
       <p:ext uri="{BB962C8B-B14F-4D97-AF65-F5344CB8AC3E}">
-        <p14:creationId xmlns:p14="http://schemas.microsoft.com/office/powerpoint/2010/main" val="4293478410"/>
+        <p14:creationId xmlns:p14="http://schemas.microsoft.com/office/powerpoint/2010/main" val="2323500703"/>
       </p:ext>
     </p:extLst>
   </p:cSld>
@@ -18513,12 +19026,23 @@
 </file>
 
 <file path=customXml/item1.xml><?xml version="1.0" encoding="utf-8"?>
-<?mso-contentType ?>
-<FormTemplates xmlns="http://schemas.microsoft.com/sharepoint/v3/contenttype/forms">
-  <Display>DocumentLibraryForm</Display>
-  <Edit>DocumentLibraryForm</Edit>
-  <New>DocumentLibraryForm</New>
-</FormTemplates>
+<p:properties xmlns:p="http://schemas.microsoft.com/office/2006/metadata/properties" xmlns:xsi="http://www.w3.org/2001/XMLSchema-instance" xmlns:pc="http://schemas.microsoft.com/office/infopath/2007/PartnerControls">
+  <documentManagement>
+    <_ip_UnifiedCompliancePolicyUIAction xmlns="http://schemas.microsoft.com/sharepoint/v3" xsi:nil="true"/>
+    <Image xmlns="71af3243-3dd4-4a8d-8c0d-dd76da1f02a5">
+      <Url xsi:nil="true"/>
+      <Description xsi:nil="true"/>
+    </Image>
+    <Status xmlns="71af3243-3dd4-4a8d-8c0d-dd76da1f02a5">Not started</Status>
+    <Background xmlns="71af3243-3dd4-4a8d-8c0d-dd76da1f02a5">false</Background>
+    <_ip_UnifiedCompliancePolicyProperties xmlns="http://schemas.microsoft.com/sharepoint/v3" xsi:nil="true"/>
+    <ImageTagsTaxHTField xmlns="71af3243-3dd4-4a8d-8c0d-dd76da1f02a5">
+      <Terms xmlns="http://schemas.microsoft.com/office/infopath/2007/PartnerControls"/>
+    </ImageTagsTaxHTField>
+    <TaxCatchAll xmlns="230e9df3-be65-4c73-a93b-d1236ebd677e" xsi:nil="true"/>
+    <MediaServiceKeyPoints xmlns="71af3243-3dd4-4a8d-8c0d-dd76da1f02a5" xsi:nil="true"/>
+  </documentManagement>
+</p:properties>
 </file>
 
 <file path=customXml/item2.xml><?xml version="1.0" encoding="utf-8"?>
@@ -18834,29 +19358,22 @@
 </file>
 
 <file path=customXml/item3.xml><?xml version="1.0" encoding="utf-8"?>
-<p:properties xmlns:p="http://schemas.microsoft.com/office/2006/metadata/properties" xmlns:xsi="http://www.w3.org/2001/XMLSchema-instance" xmlns:pc="http://schemas.microsoft.com/office/infopath/2007/PartnerControls">
-  <documentManagement>
-    <_ip_UnifiedCompliancePolicyUIAction xmlns="http://schemas.microsoft.com/sharepoint/v3" xsi:nil="true"/>
-    <Image xmlns="71af3243-3dd4-4a8d-8c0d-dd76da1f02a5">
-      <Url xsi:nil="true"/>
-      <Description xsi:nil="true"/>
-    </Image>
-    <Status xmlns="71af3243-3dd4-4a8d-8c0d-dd76da1f02a5">Not started</Status>
-    <Background xmlns="71af3243-3dd4-4a8d-8c0d-dd76da1f02a5">false</Background>
-    <_ip_UnifiedCompliancePolicyProperties xmlns="http://schemas.microsoft.com/sharepoint/v3" xsi:nil="true"/>
-    <ImageTagsTaxHTField xmlns="71af3243-3dd4-4a8d-8c0d-dd76da1f02a5">
-      <Terms xmlns="http://schemas.microsoft.com/office/infopath/2007/PartnerControls"/>
-    </ImageTagsTaxHTField>
-    <TaxCatchAll xmlns="230e9df3-be65-4c73-a93b-d1236ebd677e" xsi:nil="true"/>
-    <MediaServiceKeyPoints xmlns="71af3243-3dd4-4a8d-8c0d-dd76da1f02a5" xsi:nil="true"/>
-  </documentManagement>
-</p:properties>
+<?mso-contentType ?>
+<FormTemplates xmlns="http://schemas.microsoft.com/sharepoint/v3/contenttype/forms">
+  <Display>DocumentLibraryForm</Display>
+  <Edit>DocumentLibraryForm</Edit>
+  <New>DocumentLibraryForm</New>
+</FormTemplates>
 </file>
 
 <file path=customXml/itemProps1.xml><?xml version="1.0" encoding="utf-8"?>
-<ds:datastoreItem xmlns:ds="http://schemas.openxmlformats.org/officeDocument/2006/customXml" ds:itemID="{B7B39BD0-040C-43BE-B0E4-512B09E8003F}">
+<ds:datastoreItem xmlns:ds="http://schemas.openxmlformats.org/officeDocument/2006/customXml" ds:itemID="{AB045227-5724-4DBF-9712-031B1BFB2C3C}">
   <ds:schemaRefs>
-    <ds:schemaRef ds:uri="http://schemas.microsoft.com/sharepoint/v3/contenttype/forms"/>
+    <ds:schemaRef ds:uri="http://schemas.microsoft.com/office/2006/metadata/properties"/>
+    <ds:schemaRef ds:uri="http://schemas.microsoft.com/office/infopath/2007/PartnerControls"/>
+    <ds:schemaRef ds:uri="http://schemas.microsoft.com/sharepoint/v3"/>
+    <ds:schemaRef ds:uri="71af3243-3dd4-4a8d-8c0d-dd76da1f02a5"/>
+    <ds:schemaRef ds:uri="230e9df3-be65-4c73-a93b-d1236ebd677e"/>
   </ds:schemaRefs>
 </ds:datastoreItem>
 </file>
@@ -18883,13 +19400,9 @@
 </file>
 
 <file path=customXml/itemProps3.xml><?xml version="1.0" encoding="utf-8"?>
-<ds:datastoreItem xmlns:ds="http://schemas.openxmlformats.org/officeDocument/2006/customXml" ds:itemID="{AB045227-5724-4DBF-9712-031B1BFB2C3C}">
+<ds:datastoreItem xmlns:ds="http://schemas.openxmlformats.org/officeDocument/2006/customXml" ds:itemID="{B7B39BD0-040C-43BE-B0E4-512B09E8003F}">
   <ds:schemaRefs>
-    <ds:schemaRef ds:uri="http://schemas.microsoft.com/office/2006/metadata/properties"/>
-    <ds:schemaRef ds:uri="http://schemas.microsoft.com/office/infopath/2007/PartnerControls"/>
-    <ds:schemaRef ds:uri="http://schemas.microsoft.com/sharepoint/v3"/>
-    <ds:schemaRef ds:uri="71af3243-3dd4-4a8d-8c0d-dd76da1f02a5"/>
-    <ds:schemaRef ds:uri="230e9df3-be65-4c73-a93b-d1236ebd677e"/>
+    <ds:schemaRef ds:uri="http://schemas.microsoft.com/sharepoint/v3/contenttype/forms"/>
   </ds:schemaRefs>
 </ds:datastoreItem>
 </file>

--- a/Survival Rate prediction in Breast Cancer-Koohyar-V02.pptx
+++ b/Survival Rate prediction in Breast Cancer-Koohyar-V02.pptx
@@ -5,10 +5,10 @@
     <p:sldMasterId id="2147483666" r:id="rId4"/>
   </p:sldMasterIdLst>
   <p:notesMasterIdLst>
-    <p:notesMasterId r:id="rId33"/>
+    <p:notesMasterId r:id="rId32"/>
   </p:notesMasterIdLst>
   <p:handoutMasterIdLst>
-    <p:handoutMasterId r:id="rId34"/>
+    <p:handoutMasterId r:id="rId33"/>
   </p:handoutMasterIdLst>
   <p:sldIdLst>
     <p:sldId id="314" r:id="rId5"/>
@@ -36,9 +36,8 @@
     <p:sldId id="337" r:id="rId27"/>
     <p:sldId id="341" r:id="rId28"/>
     <p:sldId id="342" r:id="rId29"/>
-    <p:sldId id="340" r:id="rId30"/>
-    <p:sldId id="343" r:id="rId31"/>
-    <p:sldId id="347" r:id="rId32"/>
+    <p:sldId id="343" r:id="rId30"/>
+    <p:sldId id="347" r:id="rId31"/>
   </p:sldIdLst>
   <p:sldSz cx="12192000" cy="6858000"/>
   <p:notesSz cx="6858000" cy="9144000"/>
@@ -184,7 +183,7 @@
   <pc:docChgLst>
     <pc:chgData name="Koohyar Pooladvand" userId="f1908af5-bfef-4715-8425-d4a1a205a489" providerId="ADAL" clId="{321C0A27-8502-4929-9BB9-DB829CB79D5E}"/>
     <pc:docChg chg="undo redo custSel addSld delSld modSld sldOrd">
-      <pc:chgData name="Koohyar Pooladvand" userId="f1908af5-bfef-4715-8425-d4a1a205a489" providerId="ADAL" clId="{321C0A27-8502-4929-9BB9-DB829CB79D5E}" dt="2024-05-12T15:25:18.572" v="2276" actId="14826"/>
+      <pc:chgData name="Koohyar Pooladvand" userId="f1908af5-bfef-4715-8425-d4a1a205a489" providerId="ADAL" clId="{321C0A27-8502-4929-9BB9-DB829CB79D5E}" dt="2024-05-13T01:43:05.962" v="2288"/>
       <pc:docMkLst>
         <pc:docMk/>
       </pc:docMkLst>
@@ -404,12 +403,20 @@
           </ac:spMkLst>
         </pc:spChg>
       </pc:sldChg>
-      <pc:sldChg chg="add del">
-        <pc:chgData name="Koohyar Pooladvand" userId="f1908af5-bfef-4715-8425-d4a1a205a489" providerId="ADAL" clId="{321C0A27-8502-4929-9BB9-DB829CB79D5E}" dt="2024-05-12T03:11:52.905" v="2"/>
+      <pc:sldChg chg="modSp add del mod">
+        <pc:chgData name="Koohyar Pooladvand" userId="f1908af5-bfef-4715-8425-d4a1a205a489" providerId="ADAL" clId="{321C0A27-8502-4929-9BB9-DB829CB79D5E}" dt="2024-05-13T01:43:05.962" v="2288"/>
         <pc:sldMkLst>
           <pc:docMk/>
           <pc:sldMk cId="4293478410" sldId="327"/>
         </pc:sldMkLst>
+        <pc:spChg chg="mod">
+          <ac:chgData name="Koohyar Pooladvand" userId="f1908af5-bfef-4715-8425-d4a1a205a489" providerId="ADAL" clId="{321C0A27-8502-4929-9BB9-DB829CB79D5E}" dt="2024-05-13T01:43:05.962" v="2288"/>
+          <ac:spMkLst>
+            <pc:docMk/>
+            <pc:sldMk cId="4293478410" sldId="327"/>
+            <ac:spMk id="3" creationId="{1531483E-5FE6-9C63-155B-FCF76226F71B}"/>
+          </ac:spMkLst>
+        </pc:spChg>
       </pc:sldChg>
       <pc:sldChg chg="add del">
         <pc:chgData name="Koohyar Pooladvand" userId="f1908af5-bfef-4715-8425-d4a1a205a489" providerId="ADAL" clId="{321C0A27-8502-4929-9BB9-DB829CB79D5E}" dt="2024-05-12T03:11:52.905" v="2"/>
@@ -520,7 +527,7 @@
         </pc:sldMkLst>
       </pc:sldChg>
       <pc:sldChg chg="add del">
-        <pc:chgData name="Koohyar Pooladvand" userId="f1908af5-bfef-4715-8425-d4a1a205a489" providerId="ADAL" clId="{321C0A27-8502-4929-9BB9-DB829CB79D5E}" dt="2024-05-12T03:11:52.905" v="2"/>
+        <pc:chgData name="Koohyar Pooladvand" userId="f1908af5-bfef-4715-8425-d4a1a205a489" providerId="ADAL" clId="{321C0A27-8502-4929-9BB9-DB829CB79D5E}" dt="2024-05-13T00:55:06.002" v="2287" actId="47"/>
         <pc:sldMkLst>
           <pc:docMk/>
           <pc:sldMk cId="2929898621" sldId="340"/>
@@ -10537,7 +10544,7 @@
         <p:spPr/>
         <p:txBody>
           <a:bodyPr>
-            <a:normAutofit fontScale="92500" lnSpcReduction="10000"/>
+            <a:normAutofit fontScale="92500"/>
           </a:bodyPr>
           <a:lstStyle/>
           <a:p>
@@ -10642,28 +10649,10 @@
               <a:t>GitHub: </a:t>
             </a:r>
             <a:r>
-              <a:rPr lang="en-US" dirty="0" err="1">
+              <a:rPr lang="pt-BR" dirty="0">
                 <a:hlinkClick r:id="rId5"/>
               </a:rPr>
-              <a:t>koohpi</a:t>
-            </a:r>
-            <a:r>
-              <a:rPr lang="en-US" dirty="0">
-                <a:hlinkClick r:id="rId5"/>
-              </a:rPr>
-              <a:t>/</a:t>
-            </a:r>
-            <a:r>
-              <a:rPr lang="en-US" dirty="0" err="1">
-                <a:hlinkClick r:id="rId5"/>
-              </a:rPr>
-              <a:t>Breast_Cancer_Survival_Project</a:t>
-            </a:r>
-            <a:r>
-              <a:rPr lang="en-US" dirty="0">
-                <a:hlinkClick r:id="rId5"/>
-              </a:rPr>
-              <a:t>: A non-scientific project for breast cancer survival rate estimate in women based on SEER DB (github.com)</a:t>
+              <a:t>koohpi/DATA606_Fianl_Project: DATA606 Final Project (github.com)</a:t>
             </a:r>
             <a:endParaRPr lang="en-US" dirty="0"/>
           </a:p>
@@ -10683,14 +10672,11 @@
               <a:t>RPubs</a:t>
             </a:r>
             <a:r>
-              <a:rPr lang="en-US" dirty="0">
+              <a:rPr lang="en-US">
                 <a:hlinkClick r:id="rId6"/>
               </a:rPr>
-              <a:t> - Breast Cancer Survival Rate With SEER</a:t>
-            </a:r>
-            <a:endParaRPr lang="en-US" dirty="0"/>
-          </a:p>
-          <a:p>
+              <a:t> - DATA606 - Breast Cancer Survival Rate Estimate</a:t>
+            </a:r>
             <a:endParaRPr lang="en-US" dirty="0"/>
           </a:p>
         </p:txBody>
@@ -13474,212 +13460,6 @@
           <p:cNvPr id="2" name="Title 1">
             <a:extLst>
               <a:ext uri="{FF2B5EF4-FFF2-40B4-BE49-F238E27FC236}">
-                <a16:creationId xmlns:a16="http://schemas.microsoft.com/office/drawing/2014/main" id="{1479F853-33FE-C685-842D-B625E32A482C}"/>
-              </a:ext>
-            </a:extLst>
-          </p:cNvPr>
-          <p:cNvSpPr>
-            <a:spLocks noGrp="1"/>
-          </p:cNvSpPr>
-          <p:nvPr>
-            <p:ph type="title"/>
-          </p:nvPr>
-        </p:nvSpPr>
-        <p:spPr/>
-        <p:txBody>
-          <a:bodyPr/>
-          <a:lstStyle/>
-          <a:p>
-            <a:r>
-              <a:rPr lang="en-US" dirty="0"/>
-              <a:t>Gradient Boosting (</a:t>
-            </a:r>
-            <a:r>
-              <a:rPr lang="en-US" dirty="0" err="1"/>
-              <a:t>gbm</a:t>
-            </a:r>
-            <a:r>
-              <a:rPr lang="en-US" dirty="0"/>
-              <a:t>)</a:t>
-            </a:r>
-          </a:p>
-        </p:txBody>
-      </p:sp>
-      <p:sp>
-        <p:nvSpPr>
-          <p:cNvPr id="3" name="Content Placeholder 2">
-            <a:extLst>
-              <a:ext uri="{FF2B5EF4-FFF2-40B4-BE49-F238E27FC236}">
-                <a16:creationId xmlns:a16="http://schemas.microsoft.com/office/drawing/2014/main" id="{DD708D9D-CC09-6F94-BAB4-018D738EC0F2}"/>
-              </a:ext>
-            </a:extLst>
-          </p:cNvPr>
-          <p:cNvSpPr>
-            <a:spLocks noGrp="1"/>
-          </p:cNvSpPr>
-          <p:nvPr>
-            <p:ph sz="quarter" idx="10"/>
-          </p:nvPr>
-        </p:nvSpPr>
-        <p:spPr/>
-        <p:txBody>
-          <a:bodyPr/>
-          <a:lstStyle/>
-          <a:p>
-            <a:endParaRPr lang="en-US"/>
-          </a:p>
-        </p:txBody>
-      </p:sp>
-      <p:sp>
-        <p:nvSpPr>
-          <p:cNvPr id="4" name="Content Placeholder 3">
-            <a:extLst>
-              <a:ext uri="{FF2B5EF4-FFF2-40B4-BE49-F238E27FC236}">
-                <a16:creationId xmlns:a16="http://schemas.microsoft.com/office/drawing/2014/main" id="{8C3A4740-A2EF-1954-E3A5-0E8477815C33}"/>
-              </a:ext>
-            </a:extLst>
-          </p:cNvPr>
-          <p:cNvSpPr>
-            <a:spLocks noGrp="1"/>
-          </p:cNvSpPr>
-          <p:nvPr>
-            <p:ph sz="quarter" idx="11"/>
-          </p:nvPr>
-        </p:nvSpPr>
-        <p:spPr/>
-        <p:txBody>
-          <a:bodyPr/>
-          <a:lstStyle/>
-          <a:p>
-            <a:endParaRPr lang="en-US"/>
-          </a:p>
-        </p:txBody>
-      </p:sp>
-      <p:sp>
-        <p:nvSpPr>
-          <p:cNvPr id="5" name="Slide Number Placeholder 4">
-            <a:extLst>
-              <a:ext uri="{FF2B5EF4-FFF2-40B4-BE49-F238E27FC236}">
-                <a16:creationId xmlns:a16="http://schemas.microsoft.com/office/drawing/2014/main" id="{38070E81-193E-9D3F-AFAD-ED43FBE25EA1}"/>
-              </a:ext>
-            </a:extLst>
-          </p:cNvPr>
-          <p:cNvSpPr>
-            <a:spLocks noGrp="1"/>
-          </p:cNvSpPr>
-          <p:nvPr>
-            <p:ph type="sldNum" sz="quarter" idx="4"/>
-          </p:nvPr>
-        </p:nvSpPr>
-        <p:spPr/>
-        <p:txBody>
-          <a:bodyPr/>
-          <a:lstStyle/>
-          <a:p>
-            <a:fld id="{B5CEABB6-07DC-46E8-9B57-56EC44A396E5}" type="slidenum">
-              <a:rPr lang="en-US" smtClean="0"/>
-              <a:pPr/>
-              <a:t>26</a:t>
-            </a:fld>
-            <a:endParaRPr lang="en-US" dirty="0"/>
-          </a:p>
-        </p:txBody>
-      </p:sp>
-      <p:pic>
-        <p:nvPicPr>
-          <p:cNvPr id="8" name="Picture 7">
-            <a:extLst>
-              <a:ext uri="{FF2B5EF4-FFF2-40B4-BE49-F238E27FC236}">
-                <a16:creationId xmlns:a16="http://schemas.microsoft.com/office/drawing/2014/main" id="{27443C00-B2FD-7330-314E-AEA54A7FBE05}"/>
-              </a:ext>
-            </a:extLst>
-          </p:cNvPr>
-          <p:cNvPicPr>
-            <a:picLocks noChangeAspect="1"/>
-          </p:cNvPicPr>
-          <p:nvPr/>
-        </p:nvPicPr>
-        <p:blipFill>
-          <a:blip r:embed="rId2"/>
-          <a:stretch>
-            <a:fillRect/>
-          </a:stretch>
-        </p:blipFill>
-        <p:spPr>
-          <a:xfrm>
-            <a:off x="1035679" y="2295367"/>
-            <a:ext cx="3839111" cy="1133633"/>
-          </a:xfrm>
-          <a:prstGeom prst="rect">
-            <a:avLst/>
-          </a:prstGeom>
-        </p:spPr>
-      </p:pic>
-      <p:pic>
-        <p:nvPicPr>
-          <p:cNvPr id="10" name="Picture 9">
-            <a:extLst>
-              <a:ext uri="{FF2B5EF4-FFF2-40B4-BE49-F238E27FC236}">
-                <a16:creationId xmlns:a16="http://schemas.microsoft.com/office/drawing/2014/main" id="{F034011A-A0FD-5DC5-248D-35896965F734}"/>
-              </a:ext>
-            </a:extLst>
-          </p:cNvPr>
-          <p:cNvPicPr>
-            <a:picLocks noChangeAspect="1"/>
-          </p:cNvPicPr>
-          <p:nvPr/>
-        </p:nvPicPr>
-        <p:blipFill>
-          <a:blip r:embed="rId3"/>
-          <a:stretch>
-            <a:fillRect/>
-          </a:stretch>
-        </p:blipFill>
-        <p:spPr>
-          <a:xfrm>
-            <a:off x="5569694" y="1545426"/>
-            <a:ext cx="5896798" cy="3962953"/>
-          </a:xfrm>
-          <a:prstGeom prst="rect">
-            <a:avLst/>
-          </a:prstGeom>
-        </p:spPr>
-      </p:pic>
-    </p:spTree>
-    <p:extLst>
-      <p:ext uri="{BB962C8B-B14F-4D97-AF65-F5344CB8AC3E}">
-        <p14:creationId xmlns:p14="http://schemas.microsoft.com/office/powerpoint/2010/main" val="2929898621"/>
-      </p:ext>
-    </p:extLst>
-  </p:cSld>
-  <p:clrMapOvr>
-    <a:masterClrMapping/>
-  </p:clrMapOvr>
-</p:sld>
-</file>
-
-<file path=ppt/slides/slide27.xml><?xml version="1.0" encoding="utf-8"?>
-<p:sld xmlns:a="http://schemas.openxmlformats.org/drawingml/2006/main" xmlns:r="http://schemas.openxmlformats.org/officeDocument/2006/relationships" xmlns:p="http://schemas.openxmlformats.org/presentationml/2006/main">
-  <p:cSld>
-    <p:spTree>
-      <p:nvGrpSpPr>
-        <p:cNvPr id="1" name=""/>
-        <p:cNvGrpSpPr/>
-        <p:nvPr/>
-      </p:nvGrpSpPr>
-      <p:grpSpPr>
-        <a:xfrm>
-          <a:off x="0" y="0"/>
-          <a:ext cx="0" cy="0"/>
-          <a:chOff x="0" y="0"/>
-          <a:chExt cx="0" cy="0"/>
-        </a:xfrm>
-      </p:grpSpPr>
-      <p:sp>
-        <p:nvSpPr>
-          <p:cNvPr id="2" name="Title 1">
-            <a:extLst>
-              <a:ext uri="{FF2B5EF4-FFF2-40B4-BE49-F238E27FC236}">
                 <a16:creationId xmlns:a16="http://schemas.microsoft.com/office/drawing/2014/main" id="{22BBD018-9FB8-AEA7-1A67-83A19FD6725A}"/>
               </a:ext>
             </a:extLst>
@@ -13756,7 +13536,7 @@
             <a:fld id="{B5CEABB6-07DC-46E8-9B57-56EC44A396E5}" type="slidenum">
               <a:rPr lang="en-US" smtClean="0"/>
               <a:pPr/>
-              <a:t>27</a:t>
+              <a:t>26</a:t>
             </a:fld>
             <a:endParaRPr lang="en-US" dirty="0"/>
           </a:p>
@@ -13834,7 +13614,7 @@
 </p:sld>
 </file>
 
-<file path=ppt/slides/slide28.xml><?xml version="1.0" encoding="utf-8"?>
+<file path=ppt/slides/slide27.xml><?xml version="1.0" encoding="utf-8"?>
 <p:sld xmlns:a="http://schemas.openxmlformats.org/drawingml/2006/main" xmlns:r="http://schemas.openxmlformats.org/officeDocument/2006/relationships" xmlns:p="http://schemas.openxmlformats.org/presentationml/2006/main">
   <p:cSld>
     <p:spTree>
@@ -13960,7 +13740,7 @@
             <a:fld id="{B5CEABB6-07DC-46E8-9B57-56EC44A396E5}" type="slidenum">
               <a:rPr lang="en-US" smtClean="0"/>
               <a:pPr/>
-              <a:t>28</a:t>
+              <a:t>27</a:t>
             </a:fld>
             <a:endParaRPr lang="en-US" dirty="0"/>
           </a:p>
@@ -15137,8 +14917,8 @@
           </p:pic>
         </mc:Fallback>
       </mc:AlternateContent>
-      <mc:AlternateContent xmlns:mc="http://schemas.openxmlformats.org/markup-compatibility/2006">
-        <mc:Choice xmlns:pslz="http://schemas.microsoft.com/office/powerpoint/2016/slidezoom" Requires="pslz">
+      <mc:AlternateContent xmlns:mc="http://schemas.openxmlformats.org/markup-compatibility/2006" xmlns:pslz="http://schemas.microsoft.com/office/powerpoint/2016/slidezoom">
+        <mc:Choice Requires="pslz">
           <p:graphicFrame>
             <p:nvGraphicFramePr>
               <p:cNvPr id="18" name="Slide Zoom 17">
@@ -15195,7 +14975,7 @@
             </a:graphic>
           </p:graphicFrame>
         </mc:Choice>
-        <mc:Fallback>
+        <mc:Fallback xmlns="">
           <p:pic>
             <p:nvPicPr>
               <p:cNvPr id="18" name="Slide Zoom 17">
@@ -15211,7 +14991,7 @@
               <p:nvPr/>
             </p:nvPicPr>
             <p:blipFill>
-              <a:blip r:embed="rId18"/>
+              <a:blip r:embed="rId19"/>
               <a:stretch>
                 <a:fillRect/>
               </a:stretch>
@@ -15259,7 +15039,7 @@
                   <pslz:sldZmObj sldId="335" cId="3485469249">
                     <pslz:zmPr id="{5DA8DA29-3B1A-4F9B-B4B4-C4DA32233F1B}" returnToParent="0" transitionDur="1000">
                       <p166:blipFill xmlns:p166="http://schemas.microsoft.com/office/powerpoint/2016/6/main">
-                        <a:blip r:embed="rId19"/>
+                        <a:blip r:embed="rId20"/>
                         <a:stretch>
                           <a:fillRect/>
                         </a:stretch>
@@ -15323,8 +15103,8 @@
           </p:pic>
         </mc:Fallback>
       </mc:AlternateContent>
-      <mc:AlternateContent xmlns:mc="http://schemas.openxmlformats.org/markup-compatibility/2006">
-        <mc:Choice xmlns:pslz="http://schemas.microsoft.com/office/powerpoint/2016/slidezoom" Requires="pslz">
+      <mc:AlternateContent xmlns:mc="http://schemas.openxmlformats.org/markup-compatibility/2006" xmlns:pslz="http://schemas.microsoft.com/office/powerpoint/2016/slidezoom">
+        <mc:Choice Requires="pslz">
           <p:graphicFrame>
             <p:nvGraphicFramePr>
               <p:cNvPr id="22" name="Slide Zoom 21">
@@ -15381,7 +15161,7 @@
             </a:graphic>
           </p:graphicFrame>
         </mc:Choice>
-        <mc:Fallback>
+        <mc:Fallback xmlns="">
           <p:pic>
             <p:nvPicPr>
               <p:cNvPr id="22" name="Slide Zoom 21">
@@ -15397,7 +15177,7 @@
               <p:nvPr/>
             </p:nvPicPr>
             <p:blipFill>
-              <a:blip r:embed="rId22"/>
+              <a:blip r:embed="rId23"/>
               <a:stretch>
                 <a:fillRect/>
               </a:stretch>
@@ -15445,7 +15225,7 @@
                   <pslz:sldZmObj sldId="337" cId="192094858">
                     <pslz:zmPr id="{B86960BD-9E9E-4FD5-A050-686A98A49BBE}" returnToParent="0" transitionDur="1000">
                       <p166:blipFill xmlns:p166="http://schemas.microsoft.com/office/powerpoint/2016/6/main">
-                        <a:blip r:embed="rId23"/>
+                        <a:blip r:embed="rId24"/>
                         <a:stretch>
                           <a:fillRect/>
                         </a:stretch>
@@ -15599,8 +15379,8 @@
           </p:pic>
         </mc:Fallback>
       </mc:AlternateContent>
-      <mc:AlternateContent xmlns:mc="http://schemas.openxmlformats.org/markup-compatibility/2006">
-        <mc:Choice xmlns:pslz="http://schemas.microsoft.com/office/powerpoint/2016/slidezoom" Requires="pslz">
+      <mc:AlternateContent xmlns:mc="http://schemas.openxmlformats.org/markup-compatibility/2006" xmlns:pslz="http://schemas.microsoft.com/office/powerpoint/2016/slidezoom">
+        <mc:Choice Requires="pslz">
           <p:graphicFrame>
             <p:nvGraphicFramePr>
               <p:cNvPr id="9" name="Slide Zoom 8">
@@ -15657,7 +15437,7 @@
             </a:graphic>
           </p:graphicFrame>
         </mc:Choice>
-        <mc:Fallback>
+        <mc:Fallback xmlns="">
           <p:pic>
             <p:nvPicPr>
               <p:cNvPr id="9" name="Slide Zoom 8">
@@ -15673,7 +15453,7 @@
               <p:nvPr/>
             </p:nvPicPr>
             <p:blipFill>
-              <a:blip r:embed="rId28"/>
+              <a:blip r:embed="rId29"/>
               <a:stretch>
                 <a:fillRect/>
               </a:stretch>
@@ -17765,8 +17545,8 @@
           </a:graphicData>
         </a:graphic>
       </p:graphicFrame>
-      <mc:AlternateContent xmlns:mc="http://schemas.openxmlformats.org/markup-compatibility/2006">
-        <mc:Choice xmlns:pslz="http://schemas.microsoft.com/office/powerpoint/2016/slidezoom" Requires="pslz">
+      <mc:AlternateContent xmlns:mc="http://schemas.openxmlformats.org/markup-compatibility/2006" xmlns:pslz="http://schemas.microsoft.com/office/powerpoint/2016/slidezoom">
+        <mc:Choice Requires="pslz">
           <p:graphicFrame>
             <p:nvGraphicFramePr>
               <p:cNvPr id="7" name="Slide Zoom 6">
@@ -17823,7 +17603,7 @@
             </a:graphic>
           </p:graphicFrame>
         </mc:Choice>
-        <mc:Fallback>
+        <mc:Fallback xmlns="">
           <p:pic>
             <p:nvPicPr>
               <p:cNvPr id="7" name="Slide Zoom 6">
@@ -17839,7 +17619,7 @@
               <p:nvPr/>
             </p:nvPicPr>
             <p:blipFill>
-              <a:blip r:embed="rId3"/>
+              <a:blip r:embed="rId4"/>
               <a:stretch>
                 <a:fillRect/>
               </a:stretch>
@@ -17861,8 +17641,8 @@
           </p:pic>
         </mc:Fallback>
       </mc:AlternateContent>
-      <mc:AlternateContent xmlns:mc="http://schemas.openxmlformats.org/markup-compatibility/2006">
-        <mc:Choice xmlns:pslz="http://schemas.microsoft.com/office/powerpoint/2016/slidezoom" Requires="pslz">
+      <mc:AlternateContent xmlns:mc="http://schemas.openxmlformats.org/markup-compatibility/2006" xmlns:pslz="http://schemas.microsoft.com/office/powerpoint/2016/slidezoom">
+        <mc:Choice Requires="pslz">
           <p:graphicFrame>
             <p:nvGraphicFramePr>
               <p:cNvPr id="9" name="Slide Zoom 8">
@@ -17893,7 +17673,7 @@
                   <pslz:sldZmObj sldId="342" cId="1917507065">
                     <pslz:zmPr id="{853E640A-A442-46B7-8C33-936ABEC8855E}" returnToParent="0" transitionDur="1000">
                       <p166:blipFill xmlns:p166="http://schemas.microsoft.com/office/powerpoint/2016/6/main">
-                        <a:blip r:embed="rId4"/>
+                        <a:blip r:embed="rId5"/>
                         <a:stretch>
                           <a:fillRect/>
                         </a:stretch>
@@ -17919,7 +17699,7 @@
             </a:graphic>
           </p:graphicFrame>
         </mc:Choice>
-        <mc:Fallback>
+        <mc:Fallback xmlns="">
           <p:pic>
             <p:nvPicPr>
               <p:cNvPr id="9" name="Slide Zoom 8">
@@ -17935,7 +17715,7 @@
               <p:nvPr/>
             </p:nvPicPr>
             <p:blipFill>
-              <a:blip r:embed="rId4"/>
+              <a:blip r:embed="rId6"/>
               <a:stretch>
                 <a:fillRect/>
               </a:stretch>
@@ -17957,8 +17737,8 @@
           </p:pic>
         </mc:Fallback>
       </mc:AlternateContent>
-      <mc:AlternateContent xmlns:mc="http://schemas.openxmlformats.org/markup-compatibility/2006">
-        <mc:Choice xmlns:pslz="http://schemas.microsoft.com/office/powerpoint/2016/slidezoom" Requires="pslz">
+      <mc:AlternateContent xmlns:mc="http://schemas.openxmlformats.org/markup-compatibility/2006" xmlns:pslz="http://schemas.microsoft.com/office/powerpoint/2016/slidezoom">
+        <mc:Choice Requires="pslz">
           <p:graphicFrame>
             <p:nvGraphicFramePr>
               <p:cNvPr id="8" name="Slide Zoom 7">
@@ -17989,7 +17769,7 @@
                   <pslz:sldZmObj sldId="347" cId="1360772362">
                     <pslz:zmPr id="{CF305269-865B-4BBD-87B1-02ECC26147C9}" returnToParent="0" transitionDur="1000">
                       <p166:blipFill xmlns:p166="http://schemas.microsoft.com/office/powerpoint/2016/6/main">
-                        <a:blip r:embed="rId5"/>
+                        <a:blip r:embed="rId7"/>
                         <a:stretch>
                           <a:fillRect/>
                         </a:stretch>
@@ -18015,7 +17795,7 @@
             </a:graphic>
           </p:graphicFrame>
         </mc:Choice>
-        <mc:Fallback>
+        <mc:Fallback xmlns="">
           <p:pic>
             <p:nvPicPr>
               <p:cNvPr id="8" name="Slide Zoom 7">
@@ -18031,7 +17811,7 @@
               <p:nvPr/>
             </p:nvPicPr>
             <p:blipFill>
-              <a:blip r:embed="rId5"/>
+              <a:blip r:embed="rId8"/>
               <a:stretch>
                 <a:fillRect/>
               </a:stretch>
@@ -19046,6 +18826,15 @@
 </file>
 
 <file path=customXml/item2.xml><?xml version="1.0" encoding="utf-8"?>
+<?mso-contentType ?>
+<FormTemplates xmlns="http://schemas.microsoft.com/sharepoint/v3/contenttype/forms">
+  <Display>DocumentLibraryForm</Display>
+  <Edit>DocumentLibraryForm</Edit>
+  <New>DocumentLibraryForm</New>
+</FormTemplates>
+</file>
+
+<file path=customXml/item3.xml><?xml version="1.0" encoding="utf-8"?>
 <ct:contentTypeSchema xmlns:ct="http://schemas.microsoft.com/office/2006/metadata/contentType" xmlns:ma="http://schemas.microsoft.com/office/2006/metadata/properties/metaAttributes" ct:_="" ma:_="" ma:contentTypeName="Document" ma:contentTypeID="0x01010079F111ED35F8CC479449609E8A0923A6" ma:contentTypeVersion="28" ma:contentTypeDescription="Create a new document." ma:contentTypeScope="" ma:versionID="60f5a4f2d2b0abadcf532d48ebf9cb71">
   <xsd:schema xmlns:xsd="http://www.w3.org/2001/XMLSchema" xmlns:xs="http://www.w3.org/2001/XMLSchema" xmlns:p="http://schemas.microsoft.com/office/2006/metadata/properties" xmlns:ns1="http://schemas.microsoft.com/sharepoint/v3" xmlns:ns2="71af3243-3dd4-4a8d-8c0d-dd76da1f02a5" xmlns:ns3="16c05727-aa75-4e4a-9b5f-8a80a1165891" xmlns:ns4="230e9df3-be65-4c73-a93b-d1236ebd677e" targetNamespace="http://schemas.microsoft.com/office/2006/metadata/properties" ma:root="true" ma:fieldsID="7dd78129e6a1811f84807ad11c651531" ns1:_="" ns2:_="" ns3:_="" ns4:_="">
     <xsd:import namespace="http://schemas.microsoft.com/sharepoint/v3"/>
@@ -19357,15 +19146,6 @@
 </ct:contentTypeSchema>
 </file>
 
-<file path=customXml/item3.xml><?xml version="1.0" encoding="utf-8"?>
-<?mso-contentType ?>
-<FormTemplates xmlns="http://schemas.microsoft.com/sharepoint/v3/contenttype/forms">
-  <Display>DocumentLibraryForm</Display>
-  <Edit>DocumentLibraryForm</Edit>
-  <New>DocumentLibraryForm</New>
-</FormTemplates>
-</file>
-
 <file path=customXml/itemProps1.xml><?xml version="1.0" encoding="utf-8"?>
 <ds:datastoreItem xmlns:ds="http://schemas.openxmlformats.org/officeDocument/2006/customXml" ds:itemID="{AB045227-5724-4DBF-9712-031B1BFB2C3C}">
   <ds:schemaRefs>
@@ -19379,6 +19159,14 @@
 </file>
 
 <file path=customXml/itemProps2.xml><?xml version="1.0" encoding="utf-8"?>
+<ds:datastoreItem xmlns:ds="http://schemas.openxmlformats.org/officeDocument/2006/customXml" ds:itemID="{B7B39BD0-040C-43BE-B0E4-512B09E8003F}">
+  <ds:schemaRefs>
+    <ds:schemaRef ds:uri="http://schemas.microsoft.com/sharepoint/v3/contenttype/forms"/>
+  </ds:schemaRefs>
+</ds:datastoreItem>
+</file>
+
+<file path=customXml/itemProps3.xml><?xml version="1.0" encoding="utf-8"?>
 <ds:datastoreItem xmlns:ds="http://schemas.openxmlformats.org/officeDocument/2006/customXml" ds:itemID="{622457D9-12AC-4794-A05E-F1B90FCD8DA7}">
   <ds:schemaRefs>
     <ds:schemaRef ds:uri="http://schemas.microsoft.com/office/2006/metadata/contentType"/>
@@ -19399,14 +19187,6 @@
 </ds:datastoreItem>
 </file>
 
-<file path=customXml/itemProps3.xml><?xml version="1.0" encoding="utf-8"?>
-<ds:datastoreItem xmlns:ds="http://schemas.openxmlformats.org/officeDocument/2006/customXml" ds:itemID="{B7B39BD0-040C-43BE-B0E4-512B09E8003F}">
-  <ds:schemaRefs>
-    <ds:schemaRef ds:uri="http://schemas.microsoft.com/sharepoint/v3/contenttype/forms"/>
-  </ds:schemaRefs>
-</ds:datastoreItem>
-</file>
-
 <file path=docMetadata/LabelInfo.xml><?xml version="1.0" encoding="utf-8"?>
 <clbl:labelList xmlns:clbl="http://schemas.microsoft.com/office/2020/mipLabelMetadata"/>
 </file>